--- a/藍芽連線相容性測試頁面示意圖.pptx
+++ b/藍芽連線相容性測試頁面示意圖.pptx
@@ -110,7 +110,7 @@
   </p:defaultTextStyle>
   <p:extLst>
     <p:ext uri="{EFAFB233-063F-42B5-8137-9DF3F51BA10A}">
-      <p15:sldGuideLst xmlns:p15="http://schemas.microsoft.com/office/powerpoint/2012/main">
+      <p15:sldGuideLst xmlns:p15="http://schemas.microsoft.com/office/powerpoint/2012/main" xmlns="">
         <p15:guide id="1" orient="horz" pos="1620">
           <p15:clr>
             <a:srgbClr val="A4A3A4"/>
@@ -162,7 +162,7 @@
   <p:cmAuthor id="12" name="Windows 使用者" initials="W使" lastIdx="1" clrIdx="11">
     <p:extLst>
       <p:ext uri="{19B8F6BF-5375-455C-9EA6-DF929625EA0E}">
-        <p15:presenceInfo xmlns:p15="http://schemas.microsoft.com/office/powerpoint/2012/main" userId="Windows 使用者" providerId="None"/>
+        <p15:presenceInfo xmlns:p15="http://schemas.microsoft.com/office/powerpoint/2012/main" xmlns="" userId="Windows 使用者" providerId="None"/>
       </p:ext>
     </p:extLst>
   </p:cmAuthor>
@@ -179,16 +179,16 @@
     <p:text>不侷限藍牙，改成IOT相容性測試比較好</p:text>
     <p:extLst>
       <p:ext uri="{C676402C-5697-4E1C-873F-D02D1690AC5C}">
-        <p15:threadingInfo xmlns:p15="http://schemas.microsoft.com/office/powerpoint/2012/main" timeZoneBias="-480"/>
+        <p15:threadingInfo xmlns:p15="http://schemas.microsoft.com/office/powerpoint/2012/main" xmlns="" timeZoneBias="-480"/>
       </p:ext>
     </p:extLst>
   </p:cm>
   <p:cm authorId="7" dt="2018-03-23T16:53:32.408" idx="1">
-    <p:pos x="4558" y="204"/>
+    <p:pos x="4558" y="200"/>
     <p:text>真的要放這個圖嗎？ 哈哈哈</p:text>
-    <p:extLst>
+    <p:extLst mod="1">
       <p:ext uri="{C676402C-5697-4E1C-873F-D02D1690AC5C}">
-        <p15:threadingInfo xmlns:p15="http://schemas.microsoft.com/office/powerpoint/2012/main" timeZoneBias="-480"/>
+        <p15:threadingInfo xmlns:p15="http://schemas.microsoft.com/office/powerpoint/2012/main" xmlns="" timeZoneBias="-480"/>
       </p:ext>
     </p:extLst>
   </p:cm>
@@ -197,7 +197,7 @@
     <p:text>當然不會XD</p:text>
     <p:extLst>
       <p:ext uri="{C676402C-5697-4E1C-873F-D02D1690AC5C}">
-        <p15:threadingInfo xmlns:p15="http://schemas.microsoft.com/office/powerpoint/2012/main" timeZoneBias="-480">
+        <p15:threadingInfo xmlns:p15="http://schemas.microsoft.com/office/powerpoint/2012/main" xmlns="" timeZoneBias="-480">
           <p15:parentCm authorId="7" idx="1"/>
         </p15:threadingInfo>
       </p:ext>
@@ -213,7 +213,7 @@
     <p:text>少了device的version</p:text>
     <p:extLst>
       <p:ext uri="{C676402C-5697-4E1C-873F-D02D1690AC5C}">
-        <p15:threadingInfo xmlns:p15="http://schemas.microsoft.com/office/powerpoint/2012/main" timeZoneBias="-480"/>
+        <p15:threadingInfo xmlns:p15="http://schemas.microsoft.com/office/powerpoint/2012/main" xmlns="" timeZoneBias="-480"/>
       </p:ext>
     </p:extLst>
   </p:cm>
@@ -222,7 +222,7 @@
     <p:text>是否要有帳號身份Status？</p:text>
     <p:extLst>
       <p:ext uri="{C676402C-5697-4E1C-873F-D02D1690AC5C}">
-        <p15:threadingInfo xmlns:p15="http://schemas.microsoft.com/office/powerpoint/2012/main" timeZoneBias="-480"/>
+        <p15:threadingInfo xmlns:p15="http://schemas.microsoft.com/office/powerpoint/2012/main" xmlns="" timeZoneBias="-480"/>
       </p:ext>
     </p:extLst>
   </p:cm>
@@ -232,11 +232,11 @@
 <file path=ppt/comments/comment3.xml><?xml version="1.0" encoding="utf-8"?>
 <p:cmLst xmlns:a="http://schemas.openxmlformats.org/drawingml/2006/main" xmlns:r="http://schemas.openxmlformats.org/officeDocument/2006/relationships" xmlns:p="http://schemas.openxmlformats.org/presentationml/2006/main">
   <p:cm authorId="4" dt="2018-03-23T16:50:45.756" idx="1">
-    <p:pos x="2301" y="733"/>
+    <p:pos x="2322" y="812"/>
     <p:text>箭頭不知道是什麼</p:text>
-    <p:extLst>
+    <p:extLst mod="1">
       <p:ext uri="{C676402C-5697-4E1C-873F-D02D1690AC5C}">
-        <p15:threadingInfo xmlns:p15="http://schemas.microsoft.com/office/powerpoint/2012/main" timeZoneBias="-480"/>
+        <p15:threadingInfo xmlns:p15="http://schemas.microsoft.com/office/powerpoint/2012/main" xmlns="" timeZoneBias="-480"/>
       </p:ext>
     </p:extLst>
   </p:cm>
@@ -250,7 +250,7 @@
     <p:text>如果還要做分析錯什麼地方，原因之類的，可能會偏離題目，這部分先弄成可以連結到結果報表就可以了，有時間再加</p:text>
     <p:extLst>
       <p:ext uri="{C676402C-5697-4E1C-873F-D02D1690AC5C}">
-        <p15:threadingInfo xmlns:p15="http://schemas.microsoft.com/office/powerpoint/2012/main" timeZoneBias="-480"/>
+        <p15:threadingInfo xmlns:p15="http://schemas.microsoft.com/office/powerpoint/2012/main" xmlns="" timeZoneBias="-480"/>
       </p:ext>
     </p:extLst>
   </p:cm>
@@ -259,7 +259,7 @@
     <p:text>這一頁是從哪個按鈕生出來的？</p:text>
     <p:extLst>
       <p:ext uri="{C676402C-5697-4E1C-873F-D02D1690AC5C}">
-        <p15:threadingInfo xmlns:p15="http://schemas.microsoft.com/office/powerpoint/2012/main" timeZoneBias="-480"/>
+        <p15:threadingInfo xmlns:p15="http://schemas.microsoft.com/office/powerpoint/2012/main" xmlns="" timeZoneBias="-480"/>
       </p:ext>
     </p:extLst>
   </p:cm>
@@ -273,7 +273,7 @@
     <p:text>Device Type目前並不侷限只能跟藍芽連線，以後也可能會有其他Protocol，但現階段你們也可以寫死沒關係，也有可能會沒有</p:text>
     <p:extLst>
       <p:ext uri="{C676402C-5697-4E1C-873F-D02D1690AC5C}">
-        <p15:threadingInfo xmlns:p15="http://schemas.microsoft.com/office/powerpoint/2012/main" timeZoneBias="-480"/>
+        <p15:threadingInfo xmlns:p15="http://schemas.microsoft.com/office/powerpoint/2012/main" xmlns="" timeZoneBias="-480"/>
       </p:ext>
     </p:extLst>
   </p:cm>
@@ -461,7 +461,7 @@
           <a:p>
             <a:fld id="{091DE697-E9DB-4654-BBE4-DDEE8C11F18F}" type="datetimeFigureOut">
               <a:rPr lang="zh-TW" altLang="en-US" smtClean="0"/>
-              <a:t>2018/3/29</a:t>
+              <a:t>2018/3/30</a:t>
             </a:fld>
             <a:endParaRPr lang="zh-TW" altLang="en-US"/>
           </a:p>
@@ -631,7 +631,7 @@
           <a:p>
             <a:fld id="{091DE697-E9DB-4654-BBE4-DDEE8C11F18F}" type="datetimeFigureOut">
               <a:rPr lang="zh-TW" altLang="en-US" smtClean="0"/>
-              <a:t>2018/3/29</a:t>
+              <a:t>2018/3/30</a:t>
             </a:fld>
             <a:endParaRPr lang="zh-TW" altLang="en-US"/>
           </a:p>
@@ -811,7 +811,7 @@
           <a:p>
             <a:fld id="{091DE697-E9DB-4654-BBE4-DDEE8C11F18F}" type="datetimeFigureOut">
               <a:rPr lang="zh-TW" altLang="en-US" smtClean="0"/>
-              <a:t>2018/3/29</a:t>
+              <a:t>2018/3/30</a:t>
             </a:fld>
             <a:endParaRPr lang="zh-TW" altLang="en-US"/>
           </a:p>
@@ -981,7 +981,7 @@
           <a:p>
             <a:fld id="{091DE697-E9DB-4654-BBE4-DDEE8C11F18F}" type="datetimeFigureOut">
               <a:rPr lang="zh-TW" altLang="en-US" smtClean="0"/>
-              <a:t>2018/3/29</a:t>
+              <a:t>2018/3/30</a:t>
             </a:fld>
             <a:endParaRPr lang="zh-TW" altLang="en-US"/>
           </a:p>
@@ -1227,7 +1227,7 @@
           <a:p>
             <a:fld id="{091DE697-E9DB-4654-BBE4-DDEE8C11F18F}" type="datetimeFigureOut">
               <a:rPr lang="zh-TW" altLang="en-US" smtClean="0"/>
-              <a:t>2018/3/29</a:t>
+              <a:t>2018/3/30</a:t>
             </a:fld>
             <a:endParaRPr lang="zh-TW" altLang="en-US"/>
           </a:p>
@@ -1515,7 +1515,7 @@
           <a:p>
             <a:fld id="{091DE697-E9DB-4654-BBE4-DDEE8C11F18F}" type="datetimeFigureOut">
               <a:rPr lang="zh-TW" altLang="en-US" smtClean="0"/>
-              <a:t>2018/3/29</a:t>
+              <a:t>2018/3/30</a:t>
             </a:fld>
             <a:endParaRPr lang="zh-TW" altLang="en-US"/>
           </a:p>
@@ -1942,7 +1942,7 @@
           <a:p>
             <a:fld id="{091DE697-E9DB-4654-BBE4-DDEE8C11F18F}" type="datetimeFigureOut">
               <a:rPr lang="zh-TW" altLang="en-US" smtClean="0"/>
-              <a:t>2018/3/29</a:t>
+              <a:t>2018/3/30</a:t>
             </a:fld>
             <a:endParaRPr lang="zh-TW" altLang="en-US"/>
           </a:p>
@@ -2060,7 +2060,7 @@
           <a:p>
             <a:fld id="{091DE697-E9DB-4654-BBE4-DDEE8C11F18F}" type="datetimeFigureOut">
               <a:rPr lang="zh-TW" altLang="en-US" smtClean="0"/>
-              <a:t>2018/3/29</a:t>
+              <a:t>2018/3/30</a:t>
             </a:fld>
             <a:endParaRPr lang="zh-TW" altLang="en-US"/>
           </a:p>
@@ -2155,7 +2155,7 @@
           <a:p>
             <a:fld id="{091DE697-E9DB-4654-BBE4-DDEE8C11F18F}" type="datetimeFigureOut">
               <a:rPr lang="zh-TW" altLang="en-US" smtClean="0"/>
-              <a:t>2018/3/29</a:t>
+              <a:t>2018/3/30</a:t>
             </a:fld>
             <a:endParaRPr lang="zh-TW" altLang="en-US"/>
           </a:p>
@@ -2432,7 +2432,7 @@
           <a:p>
             <a:fld id="{091DE697-E9DB-4654-BBE4-DDEE8C11F18F}" type="datetimeFigureOut">
               <a:rPr lang="zh-TW" altLang="en-US" smtClean="0"/>
-              <a:t>2018/3/29</a:t>
+              <a:t>2018/3/30</a:t>
             </a:fld>
             <a:endParaRPr lang="zh-TW" altLang="en-US"/>
           </a:p>
@@ -2685,7 +2685,7 @@
           <a:p>
             <a:fld id="{091DE697-E9DB-4654-BBE4-DDEE8C11F18F}" type="datetimeFigureOut">
               <a:rPr lang="zh-TW" altLang="en-US" smtClean="0"/>
-              <a:t>2018/3/29</a:t>
+              <a:t>2018/3/30</a:t>
             </a:fld>
             <a:endParaRPr lang="zh-TW" altLang="en-US"/>
           </a:p>
@@ -2898,7 +2898,7 @@
           <a:p>
             <a:fld id="{091DE697-E9DB-4654-BBE4-DDEE8C11F18F}" type="datetimeFigureOut">
               <a:rPr lang="zh-TW" altLang="en-US" smtClean="0"/>
-              <a:t>2018/3/29</a:t>
+              <a:t>2018/3/30</a:t>
             </a:fld>
             <a:endParaRPr lang="zh-TW" altLang="en-US"/>
           </a:p>
@@ -3273,38 +3273,6 @@
           <a:chExt cx="0" cy="0"/>
         </a:xfrm>
       </p:grpSpPr>
-      <p:pic>
-        <p:nvPicPr>
-          <p:cNvPr id="8" name="圖片 7"/>
-          <p:cNvPicPr>
-            <a:picLocks noChangeAspect="1"/>
-          </p:cNvPicPr>
-          <p:nvPr/>
-        </p:nvPicPr>
-        <p:blipFill rotWithShape="1">
-          <a:blip r:embed="rId2">
-            <a:extLst>
-              <a:ext uri="{28A0092B-C50C-407E-A947-70E740481C1C}">
-                <a14:useLocalDpi xmlns:a14="http://schemas.microsoft.com/office/drawing/2010/main" val="0"/>
-              </a:ext>
-            </a:extLst>
-          </a:blip>
-          <a:srcRect l="4641"/>
-          <a:stretch/>
-        </p:blipFill>
-        <p:spPr>
-          <a:xfrm>
-            <a:off x="4710544" y="0"/>
-            <a:ext cx="4433455" cy="5143500"/>
-          </a:xfrm>
-          <a:prstGeom prst="rect">
-            <a:avLst/>
-          </a:prstGeom>
-          <a:ln>
-            <a:noFill/>
-          </a:ln>
-        </p:spPr>
-      </p:pic>
       <p:sp>
         <p:nvSpPr>
           <p:cNvPr id="4" name="矩形 3"/>
@@ -3313,7 +3281,7 @@
         </p:nvSpPr>
         <p:spPr>
           <a:xfrm>
-            <a:off x="1540694" y="2939955"/>
+            <a:off x="3363542" y="2939955"/>
             <a:ext cx="2448272" cy="229766"/>
           </a:xfrm>
           <a:prstGeom prst="rect">
@@ -3374,7 +3342,7 @@
         </p:nvSpPr>
         <p:spPr>
           <a:xfrm>
-            <a:off x="1540694" y="2516291"/>
+            <a:off x="3363542" y="2516291"/>
             <a:ext cx="2448272" cy="229766"/>
           </a:xfrm>
           <a:prstGeom prst="rect">
@@ -3435,7 +3403,7 @@
         </p:nvSpPr>
         <p:spPr>
           <a:xfrm>
-            <a:off x="2296778" y="3452395"/>
+            <a:off x="4119626" y="3452395"/>
             <a:ext cx="936104" cy="312035"/>
           </a:xfrm>
           <a:prstGeom prst="roundRect">
@@ -3483,7 +3451,7 @@
         </p:nvSpPr>
         <p:spPr>
           <a:xfrm>
-            <a:off x="1164976" y="699542"/>
+            <a:off x="2987824" y="699542"/>
             <a:ext cx="2954655" cy="1569660"/>
           </a:xfrm>
           <a:prstGeom prst="rect">
@@ -3524,14 +3492,7 @@
                 <a:latin typeface="華康文徵明體W4" pitchFamily="65" charset="-120"/>
                 <a:ea typeface="華康文徵明體W4" pitchFamily="65" charset="-120"/>
               </a:rPr>
-              <a:t>測試</a:t>
-            </a:r>
-            <a:r>
-              <a:rPr lang="zh-TW" altLang="en-US" sz="4800" dirty="0" smtClean="0">
-                <a:latin typeface="華康文徵明體W4" pitchFamily="65" charset="-120"/>
-                <a:ea typeface="華康文徵明體W4" pitchFamily="65" charset="-120"/>
-              </a:rPr>
-              <a:t>系統</a:t>
+              <a:t>測試系統</a:t>
             </a:r>
             <a:endParaRPr lang="zh-TW" altLang="en-US" sz="4800" dirty="0">
               <a:latin typeface="華康文徵明體W4" pitchFamily="65" charset="-120"/>
@@ -3605,14 +3566,14 @@
                 <a:gridCol w="360040">
                   <a:extLst>
                     <a:ext uri="{9D8B030D-6E8A-4147-A177-3AD203B41FA5}">
-                      <a16:colId xmlns:a16="http://schemas.microsoft.com/office/drawing/2014/main" val="20000"/>
+                      <a16:colId xmlns:a16="http://schemas.microsoft.com/office/drawing/2014/main" xmlns="" val="20000"/>
                     </a:ext>
                   </a:extLst>
                 </a:gridCol>
                 <a:gridCol w="2520280">
                   <a:extLst>
                     <a:ext uri="{9D8B030D-6E8A-4147-A177-3AD203B41FA5}">
-                      <a16:colId xmlns:a16="http://schemas.microsoft.com/office/drawing/2014/main" val="20001"/>
+                      <a16:colId xmlns:a16="http://schemas.microsoft.com/office/drawing/2014/main" xmlns="" val="20001"/>
                     </a:ext>
                   </a:extLst>
                 </a:gridCol>
@@ -3654,7 +3615,7 @@
                 </a:tc>
                 <a:extLst>
                   <a:ext uri="{0D108BD9-81ED-4DB2-BD59-A6C34878D82A}">
-                    <a16:rowId xmlns:a16="http://schemas.microsoft.com/office/drawing/2014/main" val="10000"/>
+                    <a16:rowId xmlns:a16="http://schemas.microsoft.com/office/drawing/2014/main" xmlns="" val="10000"/>
                   </a:ext>
                 </a:extLst>
               </a:tr>
@@ -3720,7 +3681,7 @@
                 </a:tc>
                 <a:extLst>
                   <a:ext uri="{0D108BD9-81ED-4DB2-BD59-A6C34878D82A}">
-                    <a16:rowId xmlns:a16="http://schemas.microsoft.com/office/drawing/2014/main" val="10001"/>
+                    <a16:rowId xmlns:a16="http://schemas.microsoft.com/office/drawing/2014/main" xmlns="" val="10001"/>
                   </a:ext>
                 </a:extLst>
               </a:tr>
@@ -3786,7 +3747,7 @@
                 </a:tc>
                 <a:extLst>
                   <a:ext uri="{0D108BD9-81ED-4DB2-BD59-A6C34878D82A}">
-                    <a16:rowId xmlns:a16="http://schemas.microsoft.com/office/drawing/2014/main" val="10002"/>
+                    <a16:rowId xmlns:a16="http://schemas.microsoft.com/office/drawing/2014/main" xmlns="" val="10002"/>
                   </a:ext>
                 </a:extLst>
               </a:tr>
@@ -3817,7 +3778,7 @@
                 </a:tc>
                 <a:extLst>
                   <a:ext uri="{0D108BD9-81ED-4DB2-BD59-A6C34878D82A}">
-                    <a16:rowId xmlns:a16="http://schemas.microsoft.com/office/drawing/2014/main" val="10003"/>
+                    <a16:rowId xmlns:a16="http://schemas.microsoft.com/office/drawing/2014/main" xmlns="" val="10003"/>
                   </a:ext>
                 </a:extLst>
               </a:tr>
@@ -3844,7 +3805,7 @@
                 </a:tc>
                 <a:extLst>
                   <a:ext uri="{0D108BD9-81ED-4DB2-BD59-A6C34878D82A}">
-                    <a16:rowId xmlns:a16="http://schemas.microsoft.com/office/drawing/2014/main" val="10004"/>
+                    <a16:rowId xmlns:a16="http://schemas.microsoft.com/office/drawing/2014/main" xmlns="" val="10004"/>
                   </a:ext>
                 </a:extLst>
               </a:tr>
@@ -3871,7 +3832,7 @@
                 </a:tc>
                 <a:extLst>
                   <a:ext uri="{0D108BD9-81ED-4DB2-BD59-A6C34878D82A}">
-                    <a16:rowId xmlns:a16="http://schemas.microsoft.com/office/drawing/2014/main" val="10005"/>
+                    <a16:rowId xmlns:a16="http://schemas.microsoft.com/office/drawing/2014/main" xmlns="" val="10005"/>
                   </a:ext>
                 </a:extLst>
               </a:tr>
@@ -3898,7 +3859,7 @@
                 </a:tc>
                 <a:extLst>
                   <a:ext uri="{0D108BD9-81ED-4DB2-BD59-A6C34878D82A}">
-                    <a16:rowId xmlns:a16="http://schemas.microsoft.com/office/drawing/2014/main" val="10006"/>
+                    <a16:rowId xmlns:a16="http://schemas.microsoft.com/office/drawing/2014/main" xmlns="" val="10006"/>
                   </a:ext>
                 </a:extLst>
               </a:tr>
@@ -3964,14 +3925,14 @@
                 <a:gridCol w="339734">
                   <a:extLst>
                     <a:ext uri="{9D8B030D-6E8A-4147-A177-3AD203B41FA5}">
-                      <a16:colId xmlns:a16="http://schemas.microsoft.com/office/drawing/2014/main" val="20000"/>
+                      <a16:colId xmlns:a16="http://schemas.microsoft.com/office/drawing/2014/main" xmlns="" val="20000"/>
                     </a:ext>
                   </a:extLst>
                 </a:gridCol>
                 <a:gridCol w="2378136">
                   <a:extLst>
                     <a:ext uri="{9D8B030D-6E8A-4147-A177-3AD203B41FA5}">
-                      <a16:colId xmlns:a16="http://schemas.microsoft.com/office/drawing/2014/main" val="20001"/>
+                      <a16:colId xmlns:a16="http://schemas.microsoft.com/office/drawing/2014/main" xmlns="" val="20001"/>
                     </a:ext>
                   </a:extLst>
                 </a:gridCol>
@@ -4026,7 +3987,7 @@
                 </a:tc>
                 <a:extLst>
                   <a:ext uri="{0D108BD9-81ED-4DB2-BD59-A6C34878D82A}">
-                    <a16:rowId xmlns:a16="http://schemas.microsoft.com/office/drawing/2014/main" val="10000"/>
+                    <a16:rowId xmlns:a16="http://schemas.microsoft.com/office/drawing/2014/main" xmlns="" val="10000"/>
                   </a:ext>
                 </a:extLst>
               </a:tr>
@@ -4084,7 +4045,7 @@
                 </a:tc>
                 <a:extLst>
                   <a:ext uri="{0D108BD9-81ED-4DB2-BD59-A6C34878D82A}">
-                    <a16:rowId xmlns:a16="http://schemas.microsoft.com/office/drawing/2014/main" val="10001"/>
+                    <a16:rowId xmlns:a16="http://schemas.microsoft.com/office/drawing/2014/main" xmlns="" val="10001"/>
                   </a:ext>
                 </a:extLst>
               </a:tr>
@@ -4142,7 +4103,7 @@
                 </a:tc>
                 <a:extLst>
                   <a:ext uri="{0D108BD9-81ED-4DB2-BD59-A6C34878D82A}">
-                    <a16:rowId xmlns:a16="http://schemas.microsoft.com/office/drawing/2014/main" val="10002"/>
+                    <a16:rowId xmlns:a16="http://schemas.microsoft.com/office/drawing/2014/main" xmlns="" val="10002"/>
                   </a:ext>
                 </a:extLst>
               </a:tr>
@@ -4169,7 +4130,7 @@
                 </a:tc>
                 <a:extLst>
                   <a:ext uri="{0D108BD9-81ED-4DB2-BD59-A6C34878D82A}">
-                    <a16:rowId xmlns:a16="http://schemas.microsoft.com/office/drawing/2014/main" val="10003"/>
+                    <a16:rowId xmlns:a16="http://schemas.microsoft.com/office/drawing/2014/main" xmlns="" val="10003"/>
                   </a:ext>
                 </a:extLst>
               </a:tr>
@@ -4196,7 +4157,7 @@
                 </a:tc>
                 <a:extLst>
                   <a:ext uri="{0D108BD9-81ED-4DB2-BD59-A6C34878D82A}">
-                    <a16:rowId xmlns:a16="http://schemas.microsoft.com/office/drawing/2014/main" val="10004"/>
+                    <a16:rowId xmlns:a16="http://schemas.microsoft.com/office/drawing/2014/main" xmlns="" val="10004"/>
                   </a:ext>
                 </a:extLst>
               </a:tr>
@@ -4223,7 +4184,7 @@
                 </a:tc>
                 <a:extLst>
                   <a:ext uri="{0D108BD9-81ED-4DB2-BD59-A6C34878D82A}">
-                    <a16:rowId xmlns:a16="http://schemas.microsoft.com/office/drawing/2014/main" val="10005"/>
+                    <a16:rowId xmlns:a16="http://schemas.microsoft.com/office/drawing/2014/main" xmlns="" val="10005"/>
                   </a:ext>
                 </a:extLst>
               </a:tr>
@@ -4250,7 +4211,7 @@
                 </a:tc>
                 <a:extLst>
                   <a:ext uri="{0D108BD9-81ED-4DB2-BD59-A6C34878D82A}">
-                    <a16:rowId xmlns:a16="http://schemas.microsoft.com/office/drawing/2014/main" val="10006"/>
+                    <a16:rowId xmlns:a16="http://schemas.microsoft.com/office/drawing/2014/main" xmlns="" val="10006"/>
                   </a:ext>
                 </a:extLst>
               </a:tr>
@@ -4336,172 +4297,212 @@
           </a:p>
         </p:txBody>
       </p:sp>
-      <p:grpSp>
-        <p:nvGrpSpPr>
-          <p:cNvPr id="13" name="群組 12"/>
-          <p:cNvGrpSpPr/>
+      <p:sp>
+        <p:nvSpPr>
+          <p:cNvPr id="9" name="矩形 8"/>
+          <p:cNvSpPr/>
           <p:nvPr/>
-        </p:nvGrpSpPr>
-        <p:grpSpPr>
+        </p:nvSpPr>
+        <p:spPr>
           <a:xfrm>
             <a:off x="0" y="0"/>
             <a:ext cx="9144000" cy="411510"/>
-            <a:chOff x="0" y="0"/>
-            <a:chExt cx="9144000" cy="411510"/>
           </a:xfrm>
-        </p:grpSpPr>
-        <p:sp>
-          <p:nvSpPr>
-            <p:cNvPr id="9" name="矩形 8"/>
-            <p:cNvSpPr/>
-            <p:nvPr/>
-          </p:nvSpPr>
-          <p:spPr>
-            <a:xfrm>
-              <a:off x="0" y="0"/>
-              <a:ext cx="9144000" cy="411510"/>
-            </a:xfrm>
-            <a:prstGeom prst="rect">
-              <a:avLst/>
-            </a:prstGeom>
-          </p:spPr>
-          <p:style>
-            <a:lnRef idx="2">
-              <a:schemeClr val="accent1">
-                <a:shade val="50000"/>
-              </a:schemeClr>
-            </a:lnRef>
-            <a:fillRef idx="1">
-              <a:schemeClr val="accent1"/>
-            </a:fillRef>
-            <a:effectRef idx="0">
-              <a:schemeClr val="accent1"/>
-            </a:effectRef>
-            <a:fontRef idx="minor">
-              <a:schemeClr val="lt1"/>
-            </a:fontRef>
-          </p:style>
-          <p:txBody>
-            <a:bodyPr rtlCol="0" anchor="ctr"/>
-            <a:lstStyle/>
-            <a:p>
-              <a:pPr algn="r"/>
-              <a:r>
-                <a:rPr lang="zh-TW" altLang="en-US" dirty="0" smtClean="0">
-                  <a:solidFill>
-                    <a:schemeClr val="bg1"/>
-                  </a:solidFill>
-                  <a:latin typeface="華康棒棒體W5(P)" pitchFamily="82" charset="-120"/>
-                  <a:ea typeface="華康棒棒體W5(P)" pitchFamily="82" charset="-120"/>
-                  <a:sym typeface="Wingdings"/>
-                </a:rPr>
-                <a:t>登</a:t>
-              </a:r>
-              <a:r>
-                <a:rPr lang="zh-TW" altLang="en-US" dirty="0" smtClean="0">
-                  <a:solidFill>
-                    <a:schemeClr val="bg1"/>
-                  </a:solidFill>
-                  <a:latin typeface="華康棒棒體W5(P)" pitchFamily="82" charset="-120"/>
-                  <a:ea typeface="華康棒棒體W5(P)" pitchFamily="82" charset="-120"/>
-                </a:rPr>
-                <a:t>出</a:t>
-              </a:r>
-              <a:endParaRPr lang="zh-TW" altLang="en-US" dirty="0">
+          <a:prstGeom prst="rect">
+            <a:avLst/>
+          </a:prstGeom>
+        </p:spPr>
+        <p:style>
+          <a:lnRef idx="2">
+            <a:schemeClr val="accent1">
+              <a:shade val="50000"/>
+            </a:schemeClr>
+          </a:lnRef>
+          <a:fillRef idx="1">
+            <a:schemeClr val="accent1"/>
+          </a:fillRef>
+          <a:effectRef idx="0">
+            <a:schemeClr val="accent1"/>
+          </a:effectRef>
+          <a:fontRef idx="minor">
+            <a:schemeClr val="lt1"/>
+          </a:fontRef>
+        </p:style>
+        <p:txBody>
+          <a:bodyPr rtlCol="0" anchor="ctr"/>
+          <a:lstStyle/>
+          <a:p>
+            <a:pPr algn="r"/>
+            <a:r>
+              <a:rPr lang="zh-TW" altLang="en-US" dirty="0" smtClean="0">
                 <a:solidFill>
                   <a:schemeClr val="bg1"/>
                 </a:solidFill>
                 <a:latin typeface="華康棒棒體W5(P)" pitchFamily="82" charset="-120"/>
                 <a:ea typeface="華康棒棒體W5(P)" pitchFamily="82" charset="-120"/>
-              </a:endParaRPr>
-            </a:p>
-          </p:txBody>
-        </p:sp>
-        <p:sp>
-          <p:nvSpPr>
-            <p:cNvPr id="12" name="文字方塊 11"/>
-            <p:cNvSpPr txBox="1"/>
-            <p:nvPr/>
-          </p:nvSpPr>
-          <p:spPr>
-            <a:xfrm>
-              <a:off x="107504" y="21089"/>
-              <a:ext cx="4210260" cy="338554"/>
-            </a:xfrm>
-            <a:prstGeom prst="rect">
-              <a:avLst/>
-            </a:prstGeom>
-            <a:noFill/>
-          </p:spPr>
-          <p:txBody>
-            <a:bodyPr wrap="square" rtlCol="0">
-              <a:spAutoFit/>
-            </a:bodyPr>
-            <a:lstStyle/>
-            <a:p>
-              <a:r>
-                <a:rPr lang="zh-TW" altLang="en-US" sz="1600" dirty="0" smtClean="0">
-                  <a:solidFill>
-                    <a:srgbClr val="FF0000"/>
-                  </a:solidFill>
-                  <a:latin typeface="華康棒棒體W5(P)" pitchFamily="82" charset="-120"/>
-                  <a:ea typeface="華康棒棒體W5(P)" pitchFamily="82" charset="-120"/>
-                  <a:sym typeface="Wingdings 2"/>
-                </a:rPr>
-                <a:t> 執行</a:t>
-              </a:r>
-              <a:r>
-                <a:rPr lang="zh-TW" altLang="en-US" sz="1600" dirty="0" smtClean="0">
-                  <a:solidFill>
-                    <a:srgbClr val="FF0000"/>
-                  </a:solidFill>
-                  <a:latin typeface="華康棒棒體W5(P)" pitchFamily="82" charset="-120"/>
-                  <a:ea typeface="華康棒棒體W5(P)" pitchFamily="82" charset="-120"/>
-                </a:rPr>
-                <a:t>測試</a:t>
-              </a:r>
-              <a:r>
-                <a:rPr lang="zh-TW" altLang="en-US" sz="1600" dirty="0" smtClean="0">
-                  <a:solidFill>
-                    <a:schemeClr val="bg1"/>
-                  </a:solidFill>
-                  <a:latin typeface="華康棒棒體W5(P)" pitchFamily="82" charset="-120"/>
-                  <a:ea typeface="華康棒棒體W5(P)" pitchFamily="82" charset="-120"/>
-                </a:rPr>
-                <a:t>　</a:t>
-              </a:r>
-              <a:r>
-                <a:rPr lang="zh-TW" altLang="en-US" sz="1600" dirty="0" smtClean="0">
-                  <a:solidFill>
-                    <a:schemeClr val="bg1"/>
-                  </a:solidFill>
-                  <a:latin typeface="華康棒棒體W5(P)" pitchFamily="82" charset="-120"/>
-                  <a:ea typeface="華康棒棒體W5(P)" pitchFamily="82" charset="-120"/>
-                  <a:sym typeface="Wingdings"/>
-                </a:rPr>
-                <a:t> </a:t>
-              </a:r>
-              <a:r>
-                <a:rPr lang="zh-TW" altLang="en-US" sz="1600" dirty="0" smtClean="0">
-                  <a:solidFill>
-                    <a:schemeClr val="bg1"/>
-                  </a:solidFill>
-                  <a:latin typeface="華康棒棒體W5(P)" pitchFamily="82" charset="-120"/>
-                  <a:ea typeface="華康棒棒體W5(P)" pitchFamily="82" charset="-120"/>
-                </a:rPr>
-                <a:t>歷史紀錄　</a:t>
-              </a:r>
-              <a:endParaRPr lang="zh-TW" altLang="en-US" sz="1600" dirty="0">
+                <a:sym typeface="Wingdings"/>
+              </a:rPr>
+              <a:t> 林亮勳</a:t>
+            </a:r>
+            <a:r>
+              <a:rPr lang="en-US" altLang="zh-TW" dirty="0" smtClean="0">
                 <a:solidFill>
                   <a:schemeClr val="bg1"/>
                 </a:solidFill>
                 <a:latin typeface="華康棒棒體W5(P)" pitchFamily="82" charset="-120"/>
                 <a:ea typeface="華康棒棒體W5(P)" pitchFamily="82" charset="-120"/>
-              </a:endParaRPr>
-            </a:p>
-          </p:txBody>
-        </p:sp>
-      </p:grpSp>
+                <a:sym typeface="Wingdings"/>
+              </a:rPr>
+              <a:t>(</a:t>
+            </a:r>
+            <a:r>
+              <a:rPr lang="zh-TW" altLang="en-US" dirty="0" smtClean="0">
+                <a:solidFill>
+                  <a:schemeClr val="bg1"/>
+                </a:solidFill>
+                <a:latin typeface="華康棒棒體W5(P)" pitchFamily="82" charset="-120"/>
+                <a:ea typeface="華康棒棒體W5(P)" pitchFamily="82" charset="-120"/>
+                <a:sym typeface="Wingdings"/>
+              </a:rPr>
+              <a:t>開發人員</a:t>
+            </a:r>
+            <a:r>
+              <a:rPr lang="en-US" altLang="zh-TW" dirty="0" smtClean="0">
+                <a:solidFill>
+                  <a:schemeClr val="bg1"/>
+                </a:solidFill>
+                <a:latin typeface="華康棒棒體W5(P)" pitchFamily="82" charset="-120"/>
+                <a:ea typeface="華康棒棒體W5(P)" pitchFamily="82" charset="-120"/>
+                <a:sym typeface="Wingdings"/>
+              </a:rPr>
+              <a:t>)</a:t>
+            </a:r>
+            <a:r>
+              <a:rPr lang="zh-TW" altLang="en-US" dirty="0" smtClean="0">
+                <a:solidFill>
+                  <a:schemeClr val="bg1"/>
+                </a:solidFill>
+                <a:latin typeface="華康棒棒體W5(P)" pitchFamily="82" charset="-120"/>
+                <a:ea typeface="華康棒棒體W5(P)" pitchFamily="82" charset="-120"/>
+                <a:sym typeface="Wingdings"/>
+              </a:rPr>
+              <a:t>　</a:t>
+            </a:r>
+            <a:r>
+              <a:rPr lang="zh-TW" altLang="en-US" dirty="0" smtClean="0">
+                <a:solidFill>
+                  <a:schemeClr val="bg1"/>
+                </a:solidFill>
+                <a:latin typeface="華康棒棒體W5(P)" pitchFamily="82" charset="-120"/>
+                <a:ea typeface="華康棒棒體W5(P)" pitchFamily="82" charset="-120"/>
+                <a:sym typeface="Wingdings"/>
+              </a:rPr>
+              <a:t>登</a:t>
+            </a:r>
+            <a:r>
+              <a:rPr lang="zh-TW" altLang="en-US" dirty="0" smtClean="0">
+                <a:solidFill>
+                  <a:schemeClr val="bg1"/>
+                </a:solidFill>
+                <a:latin typeface="華康棒棒體W5(P)" pitchFamily="82" charset="-120"/>
+                <a:ea typeface="華康棒棒體W5(P)" pitchFamily="82" charset="-120"/>
+              </a:rPr>
+              <a:t>出</a:t>
+            </a:r>
+            <a:endParaRPr lang="zh-TW" altLang="en-US" dirty="0">
+              <a:solidFill>
+                <a:schemeClr val="bg1"/>
+              </a:solidFill>
+              <a:latin typeface="華康棒棒體W5(P)" pitchFamily="82" charset="-120"/>
+              <a:ea typeface="華康棒棒體W5(P)" pitchFamily="82" charset="-120"/>
+            </a:endParaRPr>
+          </a:p>
+        </p:txBody>
+      </p:sp>
+      <p:sp>
+        <p:nvSpPr>
+          <p:cNvPr id="12" name="文字方塊 11"/>
+          <p:cNvSpPr txBox="1"/>
+          <p:nvPr/>
+        </p:nvSpPr>
+        <p:spPr>
+          <a:xfrm>
+            <a:off x="107504" y="21089"/>
+            <a:ext cx="4210260" cy="338554"/>
+          </a:xfrm>
+          <a:prstGeom prst="rect">
+            <a:avLst/>
+          </a:prstGeom>
+          <a:noFill/>
+        </p:spPr>
+        <p:txBody>
+          <a:bodyPr wrap="square" rtlCol="0">
+            <a:spAutoFit/>
+          </a:bodyPr>
+          <a:lstStyle/>
+          <a:p>
+            <a:r>
+              <a:rPr lang="zh-TW" altLang="en-US" sz="1600" dirty="0" smtClean="0">
+                <a:solidFill>
+                  <a:srgbClr val="FF0000"/>
+                </a:solidFill>
+                <a:latin typeface="華康棒棒體W5(P)" pitchFamily="82" charset="-120"/>
+                <a:ea typeface="華康棒棒體W5(P)" pitchFamily="82" charset="-120"/>
+                <a:sym typeface="Wingdings 2"/>
+              </a:rPr>
+              <a:t> 執行</a:t>
+            </a:r>
+            <a:r>
+              <a:rPr lang="zh-TW" altLang="en-US" sz="1600" dirty="0" smtClean="0">
+                <a:solidFill>
+                  <a:srgbClr val="FF0000"/>
+                </a:solidFill>
+                <a:latin typeface="華康棒棒體W5(P)" pitchFamily="82" charset="-120"/>
+                <a:ea typeface="華康棒棒體W5(P)" pitchFamily="82" charset="-120"/>
+              </a:rPr>
+              <a:t>測試</a:t>
+            </a:r>
+            <a:r>
+              <a:rPr lang="zh-TW" altLang="en-US" sz="1600" dirty="0" smtClean="0">
+                <a:solidFill>
+                  <a:schemeClr val="bg1"/>
+                </a:solidFill>
+                <a:latin typeface="華康棒棒體W5(P)" pitchFamily="82" charset="-120"/>
+                <a:ea typeface="華康棒棒體W5(P)" pitchFamily="82" charset="-120"/>
+              </a:rPr>
+              <a:t>　</a:t>
+            </a:r>
+            <a:r>
+              <a:rPr lang="zh-TW" altLang="en-US" sz="1600" dirty="0" smtClean="0">
+                <a:solidFill>
+                  <a:schemeClr val="bg1"/>
+                </a:solidFill>
+                <a:latin typeface="華康棒棒體W5(P)" pitchFamily="82" charset="-120"/>
+                <a:ea typeface="華康棒棒體W5(P)" pitchFamily="82" charset="-120"/>
+                <a:sym typeface="Wingdings"/>
+              </a:rPr>
+              <a:t> </a:t>
+            </a:r>
+            <a:r>
+              <a:rPr lang="zh-TW" altLang="en-US" sz="1600" dirty="0" smtClean="0">
+                <a:solidFill>
+                  <a:schemeClr val="bg1"/>
+                </a:solidFill>
+                <a:latin typeface="華康棒棒體W5(P)" pitchFamily="82" charset="-120"/>
+                <a:ea typeface="華康棒棒體W5(P)" pitchFamily="82" charset="-120"/>
+              </a:rPr>
+              <a:t>歷史紀錄　</a:t>
+            </a:r>
+            <a:endParaRPr lang="zh-TW" altLang="en-US" sz="1600" dirty="0">
+              <a:solidFill>
+                <a:schemeClr val="bg1"/>
+              </a:solidFill>
+              <a:latin typeface="華康棒棒體W5(P)" pitchFamily="82" charset="-120"/>
+              <a:ea typeface="華康棒棒體W5(P)" pitchFamily="82" charset="-120"/>
+            </a:endParaRPr>
+          </a:p>
+        </p:txBody>
+      </p:sp>
       <p:graphicFrame>
         <p:nvGraphicFramePr>
           <p:cNvPr id="10" name="表格 9"/>
@@ -4530,14 +4531,14 @@
                 <a:gridCol w="339734">
                   <a:extLst>
                     <a:ext uri="{9D8B030D-6E8A-4147-A177-3AD203B41FA5}">
-                      <a16:colId xmlns:a16="http://schemas.microsoft.com/office/drawing/2014/main" val="20000"/>
+                      <a16:colId xmlns:a16="http://schemas.microsoft.com/office/drawing/2014/main" xmlns="" val="20000"/>
                     </a:ext>
                   </a:extLst>
                 </a:gridCol>
                 <a:gridCol w="2378136">
                   <a:extLst>
                     <a:ext uri="{9D8B030D-6E8A-4147-A177-3AD203B41FA5}">
-                      <a16:colId xmlns:a16="http://schemas.microsoft.com/office/drawing/2014/main" val="20001"/>
+                      <a16:colId xmlns:a16="http://schemas.microsoft.com/office/drawing/2014/main" xmlns="" val="20001"/>
                     </a:ext>
                   </a:extLst>
                 </a:gridCol>
@@ -4592,7 +4593,7 @@
                 </a:tc>
                 <a:extLst>
                   <a:ext uri="{0D108BD9-81ED-4DB2-BD59-A6C34878D82A}">
-                    <a16:rowId xmlns:a16="http://schemas.microsoft.com/office/drawing/2014/main" val="10000"/>
+                    <a16:rowId xmlns:a16="http://schemas.microsoft.com/office/drawing/2014/main" xmlns="" val="10000"/>
                   </a:ext>
                 </a:extLst>
               </a:tr>
@@ -4650,7 +4651,7 @@
                 </a:tc>
                 <a:extLst>
                   <a:ext uri="{0D108BD9-81ED-4DB2-BD59-A6C34878D82A}">
-                    <a16:rowId xmlns:a16="http://schemas.microsoft.com/office/drawing/2014/main" val="10001"/>
+                    <a16:rowId xmlns:a16="http://schemas.microsoft.com/office/drawing/2014/main" xmlns="" val="10001"/>
                   </a:ext>
                 </a:extLst>
               </a:tr>
@@ -4708,7 +4709,7 @@
                 </a:tc>
                 <a:extLst>
                   <a:ext uri="{0D108BD9-81ED-4DB2-BD59-A6C34878D82A}">
-                    <a16:rowId xmlns:a16="http://schemas.microsoft.com/office/drawing/2014/main" val="10002"/>
+                    <a16:rowId xmlns:a16="http://schemas.microsoft.com/office/drawing/2014/main" xmlns="" val="10002"/>
                   </a:ext>
                 </a:extLst>
               </a:tr>
@@ -4735,7 +4736,7 @@
                 </a:tc>
                 <a:extLst>
                   <a:ext uri="{0D108BD9-81ED-4DB2-BD59-A6C34878D82A}">
-                    <a16:rowId xmlns:a16="http://schemas.microsoft.com/office/drawing/2014/main" val="10003"/>
+                    <a16:rowId xmlns:a16="http://schemas.microsoft.com/office/drawing/2014/main" xmlns="" val="10003"/>
                   </a:ext>
                 </a:extLst>
               </a:tr>
@@ -4762,7 +4763,7 @@
                 </a:tc>
                 <a:extLst>
                   <a:ext uri="{0D108BD9-81ED-4DB2-BD59-A6C34878D82A}">
-                    <a16:rowId xmlns:a16="http://schemas.microsoft.com/office/drawing/2014/main" val="10004"/>
+                    <a16:rowId xmlns:a16="http://schemas.microsoft.com/office/drawing/2014/main" xmlns="" val="10004"/>
                   </a:ext>
                 </a:extLst>
               </a:tr>
@@ -4789,7 +4790,7 @@
                 </a:tc>
                 <a:extLst>
                   <a:ext uri="{0D108BD9-81ED-4DB2-BD59-A6C34878D82A}">
-                    <a16:rowId xmlns:a16="http://schemas.microsoft.com/office/drawing/2014/main" val="10005"/>
+                    <a16:rowId xmlns:a16="http://schemas.microsoft.com/office/drawing/2014/main" xmlns="" val="10005"/>
                   </a:ext>
                 </a:extLst>
               </a:tr>
@@ -4816,7 +4817,7 @@
                 </a:tc>
                 <a:extLst>
                   <a:ext uri="{0D108BD9-81ED-4DB2-BD59-A6C34878D82A}">
-                    <a16:rowId xmlns:a16="http://schemas.microsoft.com/office/drawing/2014/main" val="10006"/>
+                    <a16:rowId xmlns:a16="http://schemas.microsoft.com/office/drawing/2014/main" xmlns="" val="10006"/>
                   </a:ext>
                 </a:extLst>
               </a:tr>
@@ -5133,35 +5134,35 @@
                 <a:gridCol w="2016224">
                   <a:extLst>
                     <a:ext uri="{9D8B030D-6E8A-4147-A177-3AD203B41FA5}">
-                      <a16:colId xmlns:a16="http://schemas.microsoft.com/office/drawing/2014/main" val="20000"/>
+                      <a16:colId xmlns:a16="http://schemas.microsoft.com/office/drawing/2014/main" xmlns="" val="20000"/>
                     </a:ext>
                   </a:extLst>
                 </a:gridCol>
                 <a:gridCol w="1512168">
                   <a:extLst>
                     <a:ext uri="{9D8B030D-6E8A-4147-A177-3AD203B41FA5}">
-                      <a16:colId xmlns:a16="http://schemas.microsoft.com/office/drawing/2014/main" val="20001"/>
+                      <a16:colId xmlns:a16="http://schemas.microsoft.com/office/drawing/2014/main" xmlns="" val="20001"/>
                     </a:ext>
                   </a:extLst>
                 </a:gridCol>
                 <a:gridCol w="1512168">
                   <a:extLst>
                     <a:ext uri="{9D8B030D-6E8A-4147-A177-3AD203B41FA5}">
-                      <a16:colId xmlns:a16="http://schemas.microsoft.com/office/drawing/2014/main" val="20002"/>
+                      <a16:colId xmlns:a16="http://schemas.microsoft.com/office/drawing/2014/main" xmlns="" val="20002"/>
                     </a:ext>
                   </a:extLst>
                 </a:gridCol>
                 <a:gridCol w="1512168">
                   <a:extLst>
                     <a:ext uri="{9D8B030D-6E8A-4147-A177-3AD203B41FA5}">
-                      <a16:colId xmlns:a16="http://schemas.microsoft.com/office/drawing/2014/main" val="1519873180"/>
+                      <a16:colId xmlns:a16="http://schemas.microsoft.com/office/drawing/2014/main" xmlns="" val="1519873180"/>
                     </a:ext>
                   </a:extLst>
                 </a:gridCol>
                 <a:gridCol w="1512168">
                   <a:extLst>
                     <a:ext uri="{9D8B030D-6E8A-4147-A177-3AD203B41FA5}">
-                      <a16:colId xmlns:a16="http://schemas.microsoft.com/office/drawing/2014/main" val="20003"/>
+                      <a16:colId xmlns:a16="http://schemas.microsoft.com/office/drawing/2014/main" xmlns="" val="20003"/>
                     </a:ext>
                   </a:extLst>
                 </a:gridCol>
@@ -5305,7 +5306,7 @@
                 </a:tc>
                 <a:extLst>
                   <a:ext uri="{0D108BD9-81ED-4DB2-BD59-A6C34878D82A}">
-                    <a16:rowId xmlns:a16="http://schemas.microsoft.com/office/drawing/2014/main" val="10000"/>
+                    <a16:rowId xmlns:a16="http://schemas.microsoft.com/office/drawing/2014/main" xmlns="" val="10000"/>
                   </a:ext>
                 </a:extLst>
               </a:tr>
@@ -5526,7 +5527,7 @@
                 </a:tc>
                 <a:extLst>
                   <a:ext uri="{0D108BD9-81ED-4DB2-BD59-A6C34878D82A}">
-                    <a16:rowId xmlns:a16="http://schemas.microsoft.com/office/drawing/2014/main" val="10001"/>
+                    <a16:rowId xmlns:a16="http://schemas.microsoft.com/office/drawing/2014/main" xmlns="" val="10001"/>
                   </a:ext>
                 </a:extLst>
               </a:tr>
@@ -5721,7 +5722,7 @@
                 </a:tc>
                 <a:extLst>
                   <a:ext uri="{0D108BD9-81ED-4DB2-BD59-A6C34878D82A}">
-                    <a16:rowId xmlns:a16="http://schemas.microsoft.com/office/drawing/2014/main" val="10002"/>
+                    <a16:rowId xmlns:a16="http://schemas.microsoft.com/office/drawing/2014/main" xmlns="" val="10002"/>
                   </a:ext>
                 </a:extLst>
               </a:tr>
@@ -5942,7 +5943,7 @@
                 </a:tc>
                 <a:extLst>
                   <a:ext uri="{0D108BD9-81ED-4DB2-BD59-A6C34878D82A}">
-                    <a16:rowId xmlns:a16="http://schemas.microsoft.com/office/drawing/2014/main" val="10003"/>
+                    <a16:rowId xmlns:a16="http://schemas.microsoft.com/office/drawing/2014/main" xmlns="" val="10003"/>
                   </a:ext>
                 </a:extLst>
               </a:tr>
@@ -6065,7 +6066,7 @@
                 </a:tc>
                 <a:extLst>
                   <a:ext uri="{0D108BD9-81ED-4DB2-BD59-A6C34878D82A}">
-                    <a16:rowId xmlns:a16="http://schemas.microsoft.com/office/drawing/2014/main" val="10004"/>
+                    <a16:rowId xmlns:a16="http://schemas.microsoft.com/office/drawing/2014/main" xmlns="" val="10004"/>
                   </a:ext>
                 </a:extLst>
               </a:tr>
@@ -6188,7 +6189,7 @@
                 </a:tc>
                 <a:extLst>
                   <a:ext uri="{0D108BD9-81ED-4DB2-BD59-A6C34878D82A}">
-                    <a16:rowId xmlns:a16="http://schemas.microsoft.com/office/drawing/2014/main" val="10005"/>
+                    <a16:rowId xmlns:a16="http://schemas.microsoft.com/office/drawing/2014/main" xmlns="" val="10005"/>
                   </a:ext>
                 </a:extLst>
               </a:tr>
@@ -6398,7 +6399,7 @@
           <p:nvPr>
             <p:extLst>
               <p:ext uri="{D42A27DB-BD31-4B8C-83A1-F6EECF244321}">
-                <p14:modId xmlns:p14="http://schemas.microsoft.com/office/powerpoint/2010/main" val="2860661219"/>
+                <p14:modId xmlns:p14="http://schemas.microsoft.com/office/powerpoint/2010/main" val="3755926381"/>
               </p:ext>
             </p:extLst>
           </p:nvPr>
@@ -6414,44 +6415,60 @@
                 <a:tableStyleId>{5C22544A-7EE6-4342-B048-85BDC9FD1C3A}</a:tableStyleId>
               </a:tblPr>
               <a:tblGrid>
-                <a:gridCol w="1728192">
+                <a:gridCol w="3456384">
                   <a:extLst>
                     <a:ext uri="{9D8B030D-6E8A-4147-A177-3AD203B41FA5}">
-                      <a16:colId xmlns:a16="http://schemas.microsoft.com/office/drawing/2014/main" val="20000"/>
+                      <a16:colId xmlns:a16="http://schemas.microsoft.com/office/drawing/2014/main" xmlns="" val="20000"/>
                     </a:ext>
                   </a:extLst>
                 </a:gridCol>
                 <a:gridCol w="1728192">
                   <a:extLst>
                     <a:ext uri="{9D8B030D-6E8A-4147-A177-3AD203B41FA5}">
-                      <a16:colId xmlns:a16="http://schemas.microsoft.com/office/drawing/2014/main" val="20001"/>
-                    </a:ext>
-                  </a:extLst>
-                </a:gridCol>
-                <a:gridCol w="1728192">
-                  <a:extLst>
-                    <a:ext uri="{9D8B030D-6E8A-4147-A177-3AD203B41FA5}">
-                      <a16:colId xmlns:a16="http://schemas.microsoft.com/office/drawing/2014/main" val="4079379197"/>
+                      <a16:colId xmlns:a16="http://schemas.microsoft.com/office/drawing/2014/main" xmlns="" val="4079379197"/>
                     </a:ext>
                   </a:extLst>
                 </a:gridCol>
                 <a:gridCol w="1224136">
                   <a:extLst>
                     <a:ext uri="{9D8B030D-6E8A-4147-A177-3AD203B41FA5}">
-                      <a16:colId xmlns:a16="http://schemas.microsoft.com/office/drawing/2014/main" val="20002"/>
+                      <a16:colId xmlns:a16="http://schemas.microsoft.com/office/drawing/2014/main" xmlns="" val="20002"/>
                     </a:ext>
                   </a:extLst>
                 </a:gridCol>
                 <a:gridCol w="1478372">
                   <a:extLst>
                     <a:ext uri="{9D8B030D-6E8A-4147-A177-3AD203B41FA5}">
-                      <a16:colId xmlns:a16="http://schemas.microsoft.com/office/drawing/2014/main" val="20003"/>
+                      <a16:colId xmlns:a16="http://schemas.microsoft.com/office/drawing/2014/main" xmlns="" val="20003"/>
                     </a:ext>
                   </a:extLst>
                 </a:gridCol>
               </a:tblGrid>
               <a:tr h="408940">
-                <a:tc gridSpan="2">
+                <a:tc>
+                  <a:txBody>
+                    <a:bodyPr/>
+                    <a:lstStyle/>
+                    <a:p>
+                      <a:pPr algn="ctr"/>
+                      <a:r>
+                        <a:rPr lang="zh-TW" altLang="en-US" dirty="0" smtClean="0"/>
+                        <a:t>裝置版本</a:t>
+                      </a:r>
+                      <a:r>
+                        <a:rPr lang="en-US" altLang="zh-TW" dirty="0" smtClean="0"/>
+                        <a:t>&amp;</a:t>
+                      </a:r>
+                      <a:r>
+                        <a:rPr lang="zh-TW" altLang="en-US" dirty="0" smtClean="0"/>
+                        <a:t>韌體版本</a:t>
+                      </a:r>
+                      <a:endParaRPr lang="zh-TW" altLang="en-US" dirty="0"/>
+                    </a:p>
+                  </a:txBody>
+                  <a:tcPr/>
+                </a:tc>
+                <a:tc>
                   <a:txBody>
                     <a:bodyPr/>
                     <a:lstStyle/>
@@ -6465,40 +6482,6 @@
                         <a:rPr lang="zh-TW" altLang="en-US" dirty="0" smtClean="0"/>
                         <a:t>版本</a:t>
                       </a:r>
-                      <a:r>
-                        <a:rPr lang="en-US" altLang="zh-TW" dirty="0" smtClean="0"/>
-                        <a:t>&amp;</a:t>
-                      </a:r>
-                      <a:r>
-                        <a:rPr lang="zh-TW" altLang="en-US" dirty="0" smtClean="0"/>
-                        <a:t>韌體版本</a:t>
-                      </a:r>
-                      <a:endParaRPr lang="zh-TW" altLang="en-US" dirty="0"/>
-                    </a:p>
-                  </a:txBody>
-                  <a:tcPr/>
-                </a:tc>
-                <a:tc hMerge="1">
-                  <a:txBody>
-                    <a:bodyPr/>
-                    <a:lstStyle/>
-                    <a:p>
-                      <a:pPr algn="ctr"/>
-                      <a:endParaRPr lang="zh-TW" altLang="en-US" dirty="0"/>
-                    </a:p>
-                  </a:txBody>
-                  <a:tcPr/>
-                </a:tc>
-                <a:tc>
-                  <a:txBody>
-                    <a:bodyPr/>
-                    <a:lstStyle/>
-                    <a:p>
-                      <a:pPr algn="ctr"/>
-                      <a:r>
-                        <a:rPr lang="zh-TW" altLang="en-US" dirty="0" smtClean="0"/>
-                        <a:t>裝置版本名稱</a:t>
-                      </a:r>
                       <a:endParaRPr lang="zh-TW" altLang="en-US" dirty="0"/>
                     </a:p>
                   </a:txBody>
@@ -6536,12 +6519,12 @@
                 </a:tc>
                 <a:extLst>
                   <a:ext uri="{0D108BD9-81ED-4DB2-BD59-A6C34878D82A}">
-                    <a16:rowId xmlns:a16="http://schemas.microsoft.com/office/drawing/2014/main" val="10000"/>
+                    <a16:rowId xmlns:a16="http://schemas.microsoft.com/office/drawing/2014/main" xmlns="" val="10000"/>
                   </a:ext>
                 </a:extLst>
               </a:tr>
               <a:tr h="383148">
-                <a:tc rowSpan="2" gridSpan="2">
+                <a:tc rowSpan="2">
                   <a:txBody>
                     <a:bodyPr/>
                     <a:lstStyle/>
@@ -6560,7 +6543,19 @@
                       </a:r>
                       <a:r>
                         <a:rPr lang="en-US" altLang="zh-TW" baseline="0" dirty="0" smtClean="0"/>
-                        <a:t> 5.2)</a:t>
+                        <a:t> 5.2</a:t>
+                      </a:r>
+                      <a:r>
+                        <a:rPr lang="en-US" altLang="zh-TW" baseline="0" dirty="0" smtClean="0"/>
+                        <a:t>)</a:t>
+                      </a:r>
+                      <a:r>
+                        <a:rPr lang="zh-TW" altLang="en-US" baseline="0" dirty="0" smtClean="0"/>
+                        <a:t> </a:t>
+                      </a:r>
+                      <a:r>
+                        <a:rPr lang="en-US" altLang="zh-TW" baseline="0" dirty="0" smtClean="0"/>
+                        <a:t>&amp;</a:t>
                       </a:r>
                       <a:endParaRPr lang="zh-TW" altLang="en-US" dirty="0"/>
                     </a:p>
@@ -6572,11 +6567,7 @@
                       </a:r>
                       <a:r>
                         <a:rPr lang="en-US" altLang="zh-TW" baseline="0" dirty="0" smtClean="0"/>
-                        <a:t> </a:t>
-                      </a:r>
-                      <a:r>
-                        <a:rPr lang="en-US" altLang="zh-TW" baseline="0" dirty="0" smtClean="0"/>
-                        <a:t>1.02</a:t>
+                        <a:t> 1.02</a:t>
                       </a:r>
                       <a:endParaRPr lang="zh-TW" altLang="en-US" dirty="0"/>
                     </a:p>
@@ -6587,12 +6578,16 @@
                     </a:lnR>
                   </a:tcPr>
                 </a:tc>
-                <a:tc rowSpan="2" hMerge="1">
+                <a:tc>
                   <a:txBody>
                     <a:bodyPr/>
                     <a:lstStyle/>
                     <a:p>
                       <a:pPr algn="l"/>
+                      <a:r>
+                        <a:rPr lang="en-US" altLang="zh-TW" dirty="0" smtClean="0"/>
+                        <a:t>Motion 1.01</a:t>
+                      </a:r>
                       <a:endParaRPr lang="zh-TW" altLang="en-US" dirty="0"/>
                     </a:p>
                   </a:txBody>
@@ -6610,10 +6605,12 @@
                     <a:bodyPr/>
                     <a:lstStyle/>
                     <a:p>
-                      <a:pPr algn="l"/>
-                      <a:r>
-                        <a:rPr lang="en-US" altLang="zh-TW" dirty="0" err="1" smtClean="0"/>
-                        <a:t>sss</a:t>
+                      <a:pPr algn="ctr"/>
+                      <a:r>
+                        <a:rPr lang="zh-TW" altLang="en-US" dirty="0" smtClean="0">
+                          <a:sym typeface="Wingdings"/>
+                        </a:rPr>
+                        <a:t></a:t>
                       </a:r>
                       <a:endParaRPr lang="zh-TW" altLang="en-US" dirty="0"/>
                     </a:p>
@@ -6627,30 +6624,6 @@
                     </a:lnR>
                   </a:tcPr>
                 </a:tc>
-                <a:tc>
-                  <a:txBody>
-                    <a:bodyPr/>
-                    <a:lstStyle/>
-                    <a:p>
-                      <a:pPr algn="ctr"/>
-                      <a:r>
-                        <a:rPr lang="zh-TW" altLang="en-US" dirty="0" smtClean="0">
-                          <a:sym typeface="Wingdings"/>
-                        </a:rPr>
-                        <a:t></a:t>
-                      </a:r>
-                      <a:endParaRPr lang="zh-TW" altLang="en-US" dirty="0"/>
-                    </a:p>
-                  </a:txBody>
-                  <a:tcPr>
-                    <a:lnL w="12700" cmpd="sng">
-                      <a:noFill/>
-                    </a:lnL>
-                    <a:lnR w="12700" cmpd="sng">
-                      <a:noFill/>
-                    </a:lnR>
-                  </a:tcPr>
-                </a:tc>
                 <a:tc rowSpan="2">
                   <a:txBody>
                     <a:bodyPr/>
@@ -6667,7 +6640,7 @@
                       </a:r>
                     </a:p>
                   </a:txBody>
-                  <a:tcPr>
+                  <a:tcPr anchor="ctr">
                     <a:lnL w="12700" cmpd="sng">
                       <a:noFill/>
                     </a:lnL>
@@ -6675,12 +6648,12 @@
                 </a:tc>
                 <a:extLst>
                   <a:ext uri="{0D108BD9-81ED-4DB2-BD59-A6C34878D82A}">
-                    <a16:rowId xmlns:a16="http://schemas.microsoft.com/office/drawing/2014/main" val="10001"/>
+                    <a16:rowId xmlns:a16="http://schemas.microsoft.com/office/drawing/2014/main" xmlns="" val="10001"/>
                   </a:ext>
                 </a:extLst>
               </a:tr>
               <a:tr h="334248">
-                <a:tc gridSpan="2" vMerge="1">
+                <a:tc vMerge="1">
                   <a:txBody>
                     <a:bodyPr/>
                     <a:lstStyle/>
@@ -6689,30 +6662,6 @@
                     </a:p>
                   </a:txBody>
                   <a:tcPr>
-                    <a:lnR w="12700" cmpd="sng">
-                      <a:noFill/>
-                    </a:lnR>
-                    <a:solidFill>
-                      <a:schemeClr val="accent1">
-                        <a:lumMod val="60000"/>
-                        <a:lumOff val="40000"/>
-                      </a:schemeClr>
-                    </a:solidFill>
-                  </a:tcPr>
-                </a:tc>
-                <a:tc hMerge="1" vMerge="1">
-                  <a:txBody>
-                    <a:bodyPr/>
-                    <a:lstStyle/>
-                    <a:p>
-                      <a:pPr algn="l"/>
-                      <a:endParaRPr lang="zh-TW" altLang="en-US" dirty="0"/>
-                    </a:p>
-                  </a:txBody>
-                  <a:tcPr>
-                    <a:lnL w="12700" cmpd="sng">
-                      <a:noFill/>
-                    </a:lnL>
                     <a:lnR w="12700" cmpd="sng">
                       <a:noFill/>
                     </a:lnR>
@@ -6748,7 +6697,11 @@
                       </a:pPr>
                       <a:r>
                         <a:rPr lang="en-US" altLang="zh-TW" dirty="0" smtClean="0"/>
-                        <a:t>Sss0.101</a:t>
+                        <a:t>Motion</a:t>
+                      </a:r>
+                      <a:r>
+                        <a:rPr lang="en-US" altLang="zh-TW" baseline="0" dirty="0" smtClean="0"/>
+                        <a:t> 1.02</a:t>
                       </a:r>
                       <a:endParaRPr lang="zh-TW" altLang="en-US" dirty="0" smtClean="0"/>
                     </a:p>
@@ -6853,7 +6806,7 @@
                 </a:tc>
                 <a:extLst>
                   <a:ext uri="{0D108BD9-81ED-4DB2-BD59-A6C34878D82A}">
-                    <a16:rowId xmlns:a16="http://schemas.microsoft.com/office/drawing/2014/main" val="10002"/>
+                    <a16:rowId xmlns:a16="http://schemas.microsoft.com/office/drawing/2014/main" xmlns="" val="10002"/>
                   </a:ext>
                 </a:extLst>
               </a:tr>
@@ -6894,9 +6847,33 @@
                       </a:r>
                       <a:r>
                         <a:rPr lang="en-US" altLang="zh-TW" baseline="0" dirty="0" smtClean="0"/>
-                        <a:t> 10)</a:t>
+                        <a:t> 10</a:t>
+                      </a:r>
+                      <a:r>
+                        <a:rPr lang="en-US" altLang="zh-TW" baseline="0" dirty="0" smtClean="0"/>
+                        <a:t>)</a:t>
+                      </a:r>
+                      <a:r>
+                        <a:rPr lang="zh-TW" altLang="en-US" baseline="0" dirty="0" smtClean="0"/>
+                        <a:t> </a:t>
+                      </a:r>
+                      <a:r>
+                        <a:rPr lang="en-US" altLang="zh-TW" baseline="0" dirty="0" smtClean="0"/>
+                        <a:t>&amp;</a:t>
                       </a:r>
                       <a:endParaRPr lang="zh-TW" altLang="en-US" dirty="0" smtClean="0"/>
+                    </a:p>
+                    <a:p>
+                      <a:pPr algn="l"/>
+                      <a:r>
+                        <a:rPr lang="en-US" altLang="zh-TW" dirty="0" smtClean="0"/>
+                        <a:t>Cube</a:t>
+                      </a:r>
+                      <a:r>
+                        <a:rPr lang="en-US" altLang="zh-TW" baseline="0" dirty="0" smtClean="0"/>
+                        <a:t> 1.02</a:t>
+                      </a:r>
+                      <a:endParaRPr lang="zh-TW" altLang="en-US" dirty="0"/>
                     </a:p>
                   </a:txBody>
                   <a:tcPr>
@@ -6913,33 +6890,11 @@
                       <a:pPr algn="l"/>
                       <a:r>
                         <a:rPr lang="en-US" altLang="zh-TW" dirty="0" smtClean="0"/>
-                        <a:t>Cube</a:t>
+                        <a:t>Thermo</a:t>
                       </a:r>
                       <a:r>
                         <a:rPr lang="en-US" altLang="zh-TW" baseline="0" dirty="0" smtClean="0"/>
-                        <a:t> 1.02</a:t>
-                      </a:r>
-                      <a:endParaRPr lang="zh-TW" altLang="en-US" dirty="0"/>
-                    </a:p>
-                  </a:txBody>
-                  <a:tcPr>
-                    <a:lnL w="12700" cmpd="sng">
-                      <a:noFill/>
-                    </a:lnL>
-                    <a:lnR w="12700" cmpd="sng">
-                      <a:noFill/>
-                    </a:lnR>
-                  </a:tcPr>
-                </a:tc>
-                <a:tc>
-                  <a:txBody>
-                    <a:bodyPr/>
-                    <a:lstStyle/>
-                    <a:p>
-                      <a:pPr algn="l"/>
-                      <a:r>
-                        <a:rPr lang="en-US" altLang="zh-TW" dirty="0" err="1" smtClean="0"/>
-                        <a:t>ss</a:t>
+                        <a:t> 0.5</a:t>
                       </a:r>
                       <a:endParaRPr lang="zh-TW" altLang="en-US" dirty="0"/>
                     </a:p>
@@ -7026,7 +6981,7 @@
                       <a:endParaRPr lang="zh-TW" altLang="en-US" u="sng" dirty="0" smtClean="0"/>
                     </a:p>
                   </a:txBody>
-                  <a:tcPr>
+                  <a:tcPr anchor="ctr">
                     <a:lnL w="12700" cmpd="sng">
                       <a:noFill/>
                     </a:lnL>
@@ -7034,7 +6989,7 @@
                 </a:tc>
                 <a:extLst>
                   <a:ext uri="{0D108BD9-81ED-4DB2-BD59-A6C34878D82A}">
-                    <a16:rowId xmlns:a16="http://schemas.microsoft.com/office/drawing/2014/main" val="10003"/>
+                    <a16:rowId xmlns:a16="http://schemas.microsoft.com/office/drawing/2014/main" xmlns="" val="10003"/>
                   </a:ext>
                 </a:extLst>
               </a:tr>
@@ -7075,21 +7030,22 @@
                       </a:r>
                       <a:r>
                         <a:rPr lang="en-US" altLang="zh-TW" baseline="0" dirty="0" smtClean="0"/>
-                        <a:t> 10)</a:t>
+                        <a:t> 10</a:t>
+                      </a:r>
+                      <a:r>
+                        <a:rPr lang="en-US" altLang="zh-TW" baseline="0" dirty="0" smtClean="0"/>
+                        <a:t>)</a:t>
+                      </a:r>
+                      <a:r>
+                        <a:rPr lang="zh-TW" altLang="en-US" baseline="0" dirty="0" smtClean="0"/>
+                        <a:t> </a:t>
+                      </a:r>
+                      <a:r>
+                        <a:rPr lang="en-US" altLang="zh-TW" baseline="0" dirty="0" smtClean="0"/>
+                        <a:t>&amp;</a:t>
                       </a:r>
                       <a:endParaRPr lang="zh-TW" altLang="en-US" dirty="0" smtClean="0"/>
                     </a:p>
-                  </a:txBody>
-                  <a:tcPr>
-                    <a:lnR w="12700" cmpd="sng">
-                      <a:noFill/>
-                    </a:lnR>
-                  </a:tcPr>
-                </a:tc>
-                <a:tc>
-                  <a:txBody>
-                    <a:bodyPr/>
-                    <a:lstStyle/>
                     <a:p>
                       <a:pPr marL="0" marR="0" indent="0" algn="l" defTabSz="914400" rtl="0" eaLnBrk="1" fontAlgn="auto" latinLnBrk="0" hangingPunct="1">
                         <a:lnSpc>
@@ -7120,9 +7076,6 @@
                     </a:p>
                   </a:txBody>
                   <a:tcPr>
-                    <a:lnL w="12700" cmpd="sng">
-                      <a:noFill/>
-                    </a:lnL>
                     <a:lnR w="12700" cmpd="sng">
                       <a:noFill/>
                     </a:lnR>
@@ -7150,6 +7103,14 @@
                         <a:tabLst/>
                         <a:defRPr/>
                       </a:pPr>
+                      <a:r>
+                        <a:rPr lang="en-US" altLang="zh-TW" dirty="0" smtClean="0"/>
+                        <a:t>Thermo</a:t>
+                      </a:r>
+                      <a:r>
+                        <a:rPr lang="en-US" altLang="zh-TW" baseline="0" dirty="0" smtClean="0"/>
+                        <a:t> 0.6</a:t>
+                      </a:r>
                       <a:endParaRPr lang="zh-TW" altLang="en-US" dirty="0" smtClean="0"/>
                     </a:p>
                   </a:txBody>
@@ -7235,7 +7196,7 @@
                       <a:endParaRPr lang="zh-TW" altLang="en-US" u="sng" dirty="0" smtClean="0"/>
                     </a:p>
                   </a:txBody>
-                  <a:tcPr>
+                  <a:tcPr anchor="ctr">
                     <a:lnL w="12700" cmpd="sng">
                       <a:noFill/>
                     </a:lnL>
@@ -7243,7 +7204,7 @@
                 </a:tc>
                 <a:extLst>
                   <a:ext uri="{0D108BD9-81ED-4DB2-BD59-A6C34878D82A}">
-                    <a16:rowId xmlns:a16="http://schemas.microsoft.com/office/drawing/2014/main" val="10004"/>
+                    <a16:rowId xmlns:a16="http://schemas.microsoft.com/office/drawing/2014/main" xmlns="" val="10004"/>
                   </a:ext>
                 </a:extLst>
               </a:tr>

--- a/藍芽連線相容性測試頁面示意圖.pptx
+++ b/藍芽連線相容性測試頁面示意圖.pptx
@@ -9,7 +9,8 @@
     <p:sldId id="258" r:id="rId3"/>
     <p:sldId id="257" r:id="rId4"/>
     <p:sldId id="259" r:id="rId5"/>
-    <p:sldId id="261" r:id="rId6"/>
+    <p:sldId id="262" r:id="rId6"/>
+    <p:sldId id="261" r:id="rId7"/>
   </p:sldIdLst>
   <p:sldSz cx="9144000" cy="5143500" type="screen16x9"/>
   <p:notesSz cx="6858000" cy="9144000"/>
@@ -110,7 +111,7 @@
   </p:defaultTextStyle>
   <p:extLst>
     <p:ext uri="{EFAFB233-063F-42B5-8137-9DF3F51BA10A}">
-      <p15:sldGuideLst xmlns:p15="http://schemas.microsoft.com/office/powerpoint/2012/main" xmlns="">
+      <p15:sldGuideLst xmlns:p15="http://schemas.microsoft.com/office/powerpoint/2012/main">
         <p15:guide id="1" orient="horz" pos="1620">
           <p15:clr>
             <a:srgbClr val="A4A3A4"/>
@@ -162,7 +163,7 @@
   <p:cmAuthor id="12" name="Windows 使用者" initials="W使" lastIdx="1" clrIdx="11">
     <p:extLst>
       <p:ext uri="{19B8F6BF-5375-455C-9EA6-DF929625EA0E}">
-        <p15:presenceInfo xmlns:p15="http://schemas.microsoft.com/office/powerpoint/2012/main" xmlns="" userId="Windows 使用者" providerId="None"/>
+        <p15:presenceInfo xmlns:p15="http://schemas.microsoft.com/office/powerpoint/2012/main" userId="Windows 使用者" providerId="None"/>
       </p:ext>
     </p:extLst>
   </p:cmAuthor>
@@ -179,7 +180,7 @@
     <p:text>不侷限藍牙，改成IOT相容性測試比較好</p:text>
     <p:extLst>
       <p:ext uri="{C676402C-5697-4E1C-873F-D02D1690AC5C}">
-        <p15:threadingInfo xmlns:p15="http://schemas.microsoft.com/office/powerpoint/2012/main" xmlns="" timeZoneBias="-480"/>
+        <p15:threadingInfo xmlns:p15="http://schemas.microsoft.com/office/powerpoint/2012/main" timeZoneBias="-480"/>
       </p:ext>
     </p:extLst>
   </p:cm>
@@ -188,7 +189,7 @@
     <p:text>真的要放這個圖嗎？ 哈哈哈</p:text>
     <p:extLst mod="1">
       <p:ext uri="{C676402C-5697-4E1C-873F-D02D1690AC5C}">
-        <p15:threadingInfo xmlns:p15="http://schemas.microsoft.com/office/powerpoint/2012/main" xmlns="" timeZoneBias="-480"/>
+        <p15:threadingInfo xmlns:p15="http://schemas.microsoft.com/office/powerpoint/2012/main" timeZoneBias="-480"/>
       </p:ext>
     </p:extLst>
   </p:cm>
@@ -197,7 +198,7 @@
     <p:text>當然不會XD</p:text>
     <p:extLst>
       <p:ext uri="{C676402C-5697-4E1C-873F-D02D1690AC5C}">
-        <p15:threadingInfo xmlns:p15="http://schemas.microsoft.com/office/powerpoint/2012/main" xmlns="" timeZoneBias="-480">
+        <p15:threadingInfo xmlns:p15="http://schemas.microsoft.com/office/powerpoint/2012/main" timeZoneBias="-480">
           <p15:parentCm authorId="7" idx="1"/>
         </p15:threadingInfo>
       </p:ext>
@@ -213,7 +214,7 @@
     <p:text>少了device的version</p:text>
     <p:extLst>
       <p:ext uri="{C676402C-5697-4E1C-873F-D02D1690AC5C}">
-        <p15:threadingInfo xmlns:p15="http://schemas.microsoft.com/office/powerpoint/2012/main" xmlns="" timeZoneBias="-480"/>
+        <p15:threadingInfo xmlns:p15="http://schemas.microsoft.com/office/powerpoint/2012/main" timeZoneBias="-480"/>
       </p:ext>
     </p:extLst>
   </p:cm>
@@ -222,7 +223,7 @@
     <p:text>是否要有帳號身份Status？</p:text>
     <p:extLst>
       <p:ext uri="{C676402C-5697-4E1C-873F-D02D1690AC5C}">
-        <p15:threadingInfo xmlns:p15="http://schemas.microsoft.com/office/powerpoint/2012/main" xmlns="" timeZoneBias="-480"/>
+        <p15:threadingInfo xmlns:p15="http://schemas.microsoft.com/office/powerpoint/2012/main" timeZoneBias="-480"/>
       </p:ext>
     </p:extLst>
   </p:cm>
@@ -236,7 +237,7 @@
     <p:text>箭頭不知道是什麼</p:text>
     <p:extLst mod="1">
       <p:ext uri="{C676402C-5697-4E1C-873F-D02D1690AC5C}">
-        <p15:threadingInfo xmlns:p15="http://schemas.microsoft.com/office/powerpoint/2012/main" xmlns="" timeZoneBias="-480"/>
+        <p15:threadingInfo xmlns:p15="http://schemas.microsoft.com/office/powerpoint/2012/main" timeZoneBias="-480"/>
       </p:ext>
     </p:extLst>
   </p:cm>
@@ -250,7 +251,7 @@
     <p:text>如果還要做分析錯什麼地方，原因之類的，可能會偏離題目，這部分先弄成可以連結到結果報表就可以了，有時間再加</p:text>
     <p:extLst>
       <p:ext uri="{C676402C-5697-4E1C-873F-D02D1690AC5C}">
-        <p15:threadingInfo xmlns:p15="http://schemas.microsoft.com/office/powerpoint/2012/main" xmlns="" timeZoneBias="-480"/>
+        <p15:threadingInfo xmlns:p15="http://schemas.microsoft.com/office/powerpoint/2012/main" timeZoneBias="-480"/>
       </p:ext>
     </p:extLst>
   </p:cm>
@@ -259,7 +260,7 @@
     <p:text>這一頁是從哪個按鈕生出來的？</p:text>
     <p:extLst>
       <p:ext uri="{C676402C-5697-4E1C-873F-D02D1690AC5C}">
-        <p15:threadingInfo xmlns:p15="http://schemas.microsoft.com/office/powerpoint/2012/main" xmlns="" timeZoneBias="-480"/>
+        <p15:threadingInfo xmlns:p15="http://schemas.microsoft.com/office/powerpoint/2012/main" timeZoneBias="-480"/>
       </p:ext>
     </p:extLst>
   </p:cm>
@@ -273,7 +274,7 @@
     <p:text>Device Type目前並不侷限只能跟藍芽連線，以後也可能會有其他Protocol，但現階段你們也可以寫死沒關係，也有可能會沒有</p:text>
     <p:extLst>
       <p:ext uri="{C676402C-5697-4E1C-873F-D02D1690AC5C}">
-        <p15:threadingInfo xmlns:p15="http://schemas.microsoft.com/office/powerpoint/2012/main" xmlns="" timeZoneBias="-480"/>
+        <p15:threadingInfo xmlns:p15="http://schemas.microsoft.com/office/powerpoint/2012/main" timeZoneBias="-480"/>
       </p:ext>
     </p:extLst>
   </p:cm>
@@ -461,7 +462,7 @@
           <a:p>
             <a:fld id="{091DE697-E9DB-4654-BBE4-DDEE8C11F18F}" type="datetimeFigureOut">
               <a:rPr lang="zh-TW" altLang="en-US" smtClean="0"/>
-              <a:t>2018/3/30</a:t>
+              <a:t>2018/4/19</a:t>
             </a:fld>
             <a:endParaRPr lang="zh-TW" altLang="en-US"/>
           </a:p>
@@ -631,7 +632,7 @@
           <a:p>
             <a:fld id="{091DE697-E9DB-4654-BBE4-DDEE8C11F18F}" type="datetimeFigureOut">
               <a:rPr lang="zh-TW" altLang="en-US" smtClean="0"/>
-              <a:t>2018/3/30</a:t>
+              <a:t>2018/4/19</a:t>
             </a:fld>
             <a:endParaRPr lang="zh-TW" altLang="en-US"/>
           </a:p>
@@ -811,7 +812,7 @@
           <a:p>
             <a:fld id="{091DE697-E9DB-4654-BBE4-DDEE8C11F18F}" type="datetimeFigureOut">
               <a:rPr lang="zh-TW" altLang="en-US" smtClean="0"/>
-              <a:t>2018/3/30</a:t>
+              <a:t>2018/4/19</a:t>
             </a:fld>
             <a:endParaRPr lang="zh-TW" altLang="en-US"/>
           </a:p>
@@ -981,7 +982,7 @@
           <a:p>
             <a:fld id="{091DE697-E9DB-4654-BBE4-DDEE8C11F18F}" type="datetimeFigureOut">
               <a:rPr lang="zh-TW" altLang="en-US" smtClean="0"/>
-              <a:t>2018/3/30</a:t>
+              <a:t>2018/4/19</a:t>
             </a:fld>
             <a:endParaRPr lang="zh-TW" altLang="en-US"/>
           </a:p>
@@ -1227,7 +1228,7 @@
           <a:p>
             <a:fld id="{091DE697-E9DB-4654-BBE4-DDEE8C11F18F}" type="datetimeFigureOut">
               <a:rPr lang="zh-TW" altLang="en-US" smtClean="0"/>
-              <a:t>2018/3/30</a:t>
+              <a:t>2018/4/19</a:t>
             </a:fld>
             <a:endParaRPr lang="zh-TW" altLang="en-US"/>
           </a:p>
@@ -1515,7 +1516,7 @@
           <a:p>
             <a:fld id="{091DE697-E9DB-4654-BBE4-DDEE8C11F18F}" type="datetimeFigureOut">
               <a:rPr lang="zh-TW" altLang="en-US" smtClean="0"/>
-              <a:t>2018/3/30</a:t>
+              <a:t>2018/4/19</a:t>
             </a:fld>
             <a:endParaRPr lang="zh-TW" altLang="en-US"/>
           </a:p>
@@ -1942,7 +1943,7 @@
           <a:p>
             <a:fld id="{091DE697-E9DB-4654-BBE4-DDEE8C11F18F}" type="datetimeFigureOut">
               <a:rPr lang="zh-TW" altLang="en-US" smtClean="0"/>
-              <a:t>2018/3/30</a:t>
+              <a:t>2018/4/19</a:t>
             </a:fld>
             <a:endParaRPr lang="zh-TW" altLang="en-US"/>
           </a:p>
@@ -2060,7 +2061,7 @@
           <a:p>
             <a:fld id="{091DE697-E9DB-4654-BBE4-DDEE8C11F18F}" type="datetimeFigureOut">
               <a:rPr lang="zh-TW" altLang="en-US" smtClean="0"/>
-              <a:t>2018/3/30</a:t>
+              <a:t>2018/4/19</a:t>
             </a:fld>
             <a:endParaRPr lang="zh-TW" altLang="en-US"/>
           </a:p>
@@ -2155,7 +2156,7 @@
           <a:p>
             <a:fld id="{091DE697-E9DB-4654-BBE4-DDEE8C11F18F}" type="datetimeFigureOut">
               <a:rPr lang="zh-TW" altLang="en-US" smtClean="0"/>
-              <a:t>2018/3/30</a:t>
+              <a:t>2018/4/19</a:t>
             </a:fld>
             <a:endParaRPr lang="zh-TW" altLang="en-US"/>
           </a:p>
@@ -2432,7 +2433,7 @@
           <a:p>
             <a:fld id="{091DE697-E9DB-4654-BBE4-DDEE8C11F18F}" type="datetimeFigureOut">
               <a:rPr lang="zh-TW" altLang="en-US" smtClean="0"/>
-              <a:t>2018/3/30</a:t>
+              <a:t>2018/4/19</a:t>
             </a:fld>
             <a:endParaRPr lang="zh-TW" altLang="en-US"/>
           </a:p>
@@ -2685,7 +2686,7 @@
           <a:p>
             <a:fld id="{091DE697-E9DB-4654-BBE4-DDEE8C11F18F}" type="datetimeFigureOut">
               <a:rPr lang="zh-TW" altLang="en-US" smtClean="0"/>
-              <a:t>2018/3/30</a:t>
+              <a:t>2018/4/19</a:t>
             </a:fld>
             <a:endParaRPr lang="zh-TW" altLang="en-US"/>
           </a:p>
@@ -2898,7 +2899,7 @@
           <a:p>
             <a:fld id="{091DE697-E9DB-4654-BBE4-DDEE8C11F18F}" type="datetimeFigureOut">
               <a:rPr lang="zh-TW" altLang="en-US" smtClean="0"/>
-              <a:t>2018/3/30</a:t>
+              <a:t>2018/4/19</a:t>
             </a:fld>
             <a:endParaRPr lang="zh-TW" altLang="en-US"/>
           </a:p>
@@ -3547,13 +3548,13 @@
           <p:nvPr>
             <p:extLst>
               <p:ext uri="{D42A27DB-BD31-4B8C-83A1-F6EECF244321}">
-                <p14:modId xmlns:p14="http://schemas.microsoft.com/office/powerpoint/2010/main" val="2597941458"/>
+                <p14:modId xmlns:p14="http://schemas.microsoft.com/office/powerpoint/2010/main" val="2625052025"/>
               </p:ext>
             </p:extLst>
           </p:nvPr>
         </p:nvGraphicFramePr>
         <p:xfrm>
-          <a:off x="294215" y="1239208"/>
+          <a:off x="294215" y="1635646"/>
           <a:ext cx="2880320" cy="2595880"/>
         </p:xfrm>
         <a:graphic>
@@ -3566,14 +3567,14 @@
                 <a:gridCol w="360040">
                   <a:extLst>
                     <a:ext uri="{9D8B030D-6E8A-4147-A177-3AD203B41FA5}">
-                      <a16:colId xmlns:a16="http://schemas.microsoft.com/office/drawing/2014/main" xmlns="" val="20000"/>
+                      <a16:colId xmlns:a16="http://schemas.microsoft.com/office/drawing/2014/main" val="20000"/>
                     </a:ext>
                   </a:extLst>
                 </a:gridCol>
                 <a:gridCol w="2520280">
                   <a:extLst>
                     <a:ext uri="{9D8B030D-6E8A-4147-A177-3AD203B41FA5}">
-                      <a16:colId xmlns:a16="http://schemas.microsoft.com/office/drawing/2014/main" xmlns="" val="20001"/>
+                      <a16:colId xmlns:a16="http://schemas.microsoft.com/office/drawing/2014/main" val="20001"/>
                     </a:ext>
                   </a:extLst>
                 </a:gridCol>
@@ -3615,7 +3616,7 @@
                 </a:tc>
                 <a:extLst>
                   <a:ext uri="{0D108BD9-81ED-4DB2-BD59-A6C34878D82A}">
-                    <a16:rowId xmlns:a16="http://schemas.microsoft.com/office/drawing/2014/main" xmlns="" val="10000"/>
+                    <a16:rowId xmlns:a16="http://schemas.microsoft.com/office/drawing/2014/main" val="10000"/>
                   </a:ext>
                 </a:extLst>
               </a:tr>
@@ -3681,7 +3682,7 @@
                 </a:tc>
                 <a:extLst>
                   <a:ext uri="{0D108BD9-81ED-4DB2-BD59-A6C34878D82A}">
-                    <a16:rowId xmlns:a16="http://schemas.microsoft.com/office/drawing/2014/main" xmlns="" val="10001"/>
+                    <a16:rowId xmlns:a16="http://schemas.microsoft.com/office/drawing/2014/main" val="10001"/>
                   </a:ext>
                 </a:extLst>
               </a:tr>
@@ -3747,7 +3748,7 @@
                 </a:tc>
                 <a:extLst>
                   <a:ext uri="{0D108BD9-81ED-4DB2-BD59-A6C34878D82A}">
-                    <a16:rowId xmlns:a16="http://schemas.microsoft.com/office/drawing/2014/main" xmlns="" val="10002"/>
+                    <a16:rowId xmlns:a16="http://schemas.microsoft.com/office/drawing/2014/main" val="10002"/>
                   </a:ext>
                 </a:extLst>
               </a:tr>
@@ -3778,7 +3779,7 @@
                 </a:tc>
                 <a:extLst>
                   <a:ext uri="{0D108BD9-81ED-4DB2-BD59-A6C34878D82A}">
-                    <a16:rowId xmlns:a16="http://schemas.microsoft.com/office/drawing/2014/main" xmlns="" val="10003"/>
+                    <a16:rowId xmlns:a16="http://schemas.microsoft.com/office/drawing/2014/main" val="10003"/>
                   </a:ext>
                 </a:extLst>
               </a:tr>
@@ -3805,7 +3806,7 @@
                 </a:tc>
                 <a:extLst>
                   <a:ext uri="{0D108BD9-81ED-4DB2-BD59-A6C34878D82A}">
-                    <a16:rowId xmlns:a16="http://schemas.microsoft.com/office/drawing/2014/main" xmlns="" val="10004"/>
+                    <a16:rowId xmlns:a16="http://schemas.microsoft.com/office/drawing/2014/main" val="10004"/>
                   </a:ext>
                 </a:extLst>
               </a:tr>
@@ -3832,7 +3833,7 @@
                 </a:tc>
                 <a:extLst>
                   <a:ext uri="{0D108BD9-81ED-4DB2-BD59-A6C34878D82A}">
-                    <a16:rowId xmlns:a16="http://schemas.microsoft.com/office/drawing/2014/main" xmlns="" val="10005"/>
+                    <a16:rowId xmlns:a16="http://schemas.microsoft.com/office/drawing/2014/main" val="10005"/>
                   </a:ext>
                 </a:extLst>
               </a:tr>
@@ -3859,7 +3860,7 @@
                 </a:tc>
                 <a:extLst>
                   <a:ext uri="{0D108BD9-81ED-4DB2-BD59-A6C34878D82A}">
-                    <a16:rowId xmlns:a16="http://schemas.microsoft.com/office/drawing/2014/main" xmlns="" val="10006"/>
+                    <a16:rowId xmlns:a16="http://schemas.microsoft.com/office/drawing/2014/main" val="10006"/>
                   </a:ext>
                 </a:extLst>
               </a:tr>
@@ -3875,7 +3876,7 @@
         </p:nvSpPr>
         <p:spPr>
           <a:xfrm>
-            <a:off x="960418" y="879168"/>
+            <a:off x="960418" y="1275606"/>
             <a:ext cx="1569660" cy="369332"/>
           </a:xfrm>
           <a:prstGeom prst="rect">
@@ -3906,13 +3907,13 @@
           <p:nvPr>
             <p:extLst>
               <p:ext uri="{D42A27DB-BD31-4B8C-83A1-F6EECF244321}">
-                <p14:modId xmlns:p14="http://schemas.microsoft.com/office/powerpoint/2010/main" val="4246043026"/>
+                <p14:modId xmlns:p14="http://schemas.microsoft.com/office/powerpoint/2010/main" val="1680069727"/>
               </p:ext>
             </p:extLst>
           </p:nvPr>
         </p:nvGraphicFramePr>
         <p:xfrm>
-          <a:off x="3275856" y="1248500"/>
+          <a:off x="3275856" y="1644938"/>
           <a:ext cx="2717870" cy="2595880"/>
         </p:xfrm>
         <a:graphic>
@@ -3925,14 +3926,14 @@
                 <a:gridCol w="339734">
                   <a:extLst>
                     <a:ext uri="{9D8B030D-6E8A-4147-A177-3AD203B41FA5}">
-                      <a16:colId xmlns:a16="http://schemas.microsoft.com/office/drawing/2014/main" xmlns="" val="20000"/>
+                      <a16:colId xmlns:a16="http://schemas.microsoft.com/office/drawing/2014/main" val="20000"/>
                     </a:ext>
                   </a:extLst>
                 </a:gridCol>
                 <a:gridCol w="2378136">
                   <a:extLst>
                     <a:ext uri="{9D8B030D-6E8A-4147-A177-3AD203B41FA5}">
-                      <a16:colId xmlns:a16="http://schemas.microsoft.com/office/drawing/2014/main" xmlns="" val="20001"/>
+                      <a16:colId xmlns:a16="http://schemas.microsoft.com/office/drawing/2014/main" val="20001"/>
                     </a:ext>
                   </a:extLst>
                 </a:gridCol>
@@ -3987,7 +3988,7 @@
                 </a:tc>
                 <a:extLst>
                   <a:ext uri="{0D108BD9-81ED-4DB2-BD59-A6C34878D82A}">
-                    <a16:rowId xmlns:a16="http://schemas.microsoft.com/office/drawing/2014/main" xmlns="" val="10000"/>
+                    <a16:rowId xmlns:a16="http://schemas.microsoft.com/office/drawing/2014/main" val="10000"/>
                   </a:ext>
                 </a:extLst>
               </a:tr>
@@ -4045,7 +4046,7 @@
                 </a:tc>
                 <a:extLst>
                   <a:ext uri="{0D108BD9-81ED-4DB2-BD59-A6C34878D82A}">
-                    <a16:rowId xmlns:a16="http://schemas.microsoft.com/office/drawing/2014/main" xmlns="" val="10001"/>
+                    <a16:rowId xmlns:a16="http://schemas.microsoft.com/office/drawing/2014/main" val="10001"/>
                   </a:ext>
                 </a:extLst>
               </a:tr>
@@ -4103,7 +4104,7 @@
                 </a:tc>
                 <a:extLst>
                   <a:ext uri="{0D108BD9-81ED-4DB2-BD59-A6C34878D82A}">
-                    <a16:rowId xmlns:a16="http://schemas.microsoft.com/office/drawing/2014/main" xmlns="" val="10002"/>
+                    <a16:rowId xmlns:a16="http://schemas.microsoft.com/office/drawing/2014/main" val="10002"/>
                   </a:ext>
                 </a:extLst>
               </a:tr>
@@ -4130,7 +4131,7 @@
                 </a:tc>
                 <a:extLst>
                   <a:ext uri="{0D108BD9-81ED-4DB2-BD59-A6C34878D82A}">
-                    <a16:rowId xmlns:a16="http://schemas.microsoft.com/office/drawing/2014/main" xmlns="" val="10003"/>
+                    <a16:rowId xmlns:a16="http://schemas.microsoft.com/office/drawing/2014/main" val="10003"/>
                   </a:ext>
                 </a:extLst>
               </a:tr>
@@ -4157,7 +4158,7 @@
                 </a:tc>
                 <a:extLst>
                   <a:ext uri="{0D108BD9-81ED-4DB2-BD59-A6C34878D82A}">
-                    <a16:rowId xmlns:a16="http://schemas.microsoft.com/office/drawing/2014/main" xmlns="" val="10004"/>
+                    <a16:rowId xmlns:a16="http://schemas.microsoft.com/office/drawing/2014/main" val="10004"/>
                   </a:ext>
                 </a:extLst>
               </a:tr>
@@ -4184,7 +4185,7 @@
                 </a:tc>
                 <a:extLst>
                   <a:ext uri="{0D108BD9-81ED-4DB2-BD59-A6C34878D82A}">
-                    <a16:rowId xmlns:a16="http://schemas.microsoft.com/office/drawing/2014/main" xmlns="" val="10005"/>
+                    <a16:rowId xmlns:a16="http://schemas.microsoft.com/office/drawing/2014/main" val="10005"/>
                   </a:ext>
                 </a:extLst>
               </a:tr>
@@ -4211,7 +4212,7 @@
                 </a:tc>
                 <a:extLst>
                   <a:ext uri="{0D108BD9-81ED-4DB2-BD59-A6C34878D82A}">
-                    <a16:rowId xmlns:a16="http://schemas.microsoft.com/office/drawing/2014/main" xmlns="" val="10006"/>
+                    <a16:rowId xmlns:a16="http://schemas.microsoft.com/office/drawing/2014/main" val="10006"/>
                   </a:ext>
                 </a:extLst>
               </a:tr>
@@ -4227,7 +4228,7 @@
         </p:nvSpPr>
         <p:spPr>
           <a:xfrm>
-            <a:off x="4139952" y="888460"/>
+            <a:off x="4139952" y="1284898"/>
             <a:ext cx="1107996" cy="369332"/>
           </a:xfrm>
           <a:prstGeom prst="rect">
@@ -4257,7 +4258,7 @@
         </p:nvSpPr>
         <p:spPr>
           <a:xfrm>
-            <a:off x="3995936" y="4083918"/>
+            <a:off x="3995936" y="4480356"/>
             <a:ext cx="936104" cy="312035"/>
           </a:xfrm>
           <a:prstGeom prst="roundRect">
@@ -4386,18 +4387,7 @@
                 <a:ea typeface="華康棒棒體W5(P)" pitchFamily="82" charset="-120"/>
                 <a:sym typeface="Wingdings"/>
               </a:rPr>
-              <a:t>　</a:t>
-            </a:r>
-            <a:r>
-              <a:rPr lang="zh-TW" altLang="en-US" dirty="0" smtClean="0">
-                <a:solidFill>
-                  <a:schemeClr val="bg1"/>
-                </a:solidFill>
-                <a:latin typeface="華康棒棒體W5(P)" pitchFamily="82" charset="-120"/>
-                <a:ea typeface="華康棒棒體W5(P)" pitchFamily="82" charset="-120"/>
-                <a:sym typeface="Wingdings"/>
-              </a:rPr>
-              <a:t>登</a:t>
+              <a:t>　登</a:t>
             </a:r>
             <a:r>
               <a:rPr lang="zh-TW" altLang="en-US" dirty="0" smtClean="0">
@@ -4493,6 +4483,27 @@
               </a:rPr>
               <a:t>歷史紀錄　</a:t>
             </a:r>
+            <a:r>
+              <a:rPr lang="zh-TW" altLang="en-US" sz="1600" dirty="0" smtClean="0">
+                <a:solidFill>
+                  <a:schemeClr val="bg1"/>
+                </a:solidFill>
+                <a:latin typeface="華康棒棒體W5(P)" pitchFamily="82" charset="-120"/>
+                <a:ea typeface="華康棒棒體W5(P)" pitchFamily="82" charset="-120"/>
+                <a:sym typeface="Wingdings" panose="05000000000000000000" pitchFamily="2" charset="2"/>
+              </a:rPr>
+              <a:t>管理版本</a:t>
+            </a:r>
+            <a:r>
+              <a:rPr lang="zh-TW" altLang="en-US" sz="1600" dirty="0" smtClean="0">
+                <a:solidFill>
+                  <a:schemeClr val="bg1"/>
+                </a:solidFill>
+                <a:latin typeface="華康棒棒體W5(P)" pitchFamily="82" charset="-120"/>
+                <a:ea typeface="華康棒棒體W5(P)" pitchFamily="82" charset="-120"/>
+              </a:rPr>
+              <a:t>　</a:t>
+            </a:r>
             <a:endParaRPr lang="zh-TW" altLang="en-US" sz="1600" dirty="0">
               <a:solidFill>
                 <a:schemeClr val="bg1"/>
@@ -4512,13 +4523,13 @@
           <p:nvPr>
             <p:extLst>
               <p:ext uri="{D42A27DB-BD31-4B8C-83A1-F6EECF244321}">
-                <p14:modId xmlns:p14="http://schemas.microsoft.com/office/powerpoint/2010/main" val="3446992243"/>
+                <p14:modId xmlns:p14="http://schemas.microsoft.com/office/powerpoint/2010/main" val="3791125665"/>
               </p:ext>
             </p:extLst>
           </p:nvPr>
         </p:nvGraphicFramePr>
         <p:xfrm>
-          <a:off x="6107852" y="1239208"/>
+          <a:off x="6107852" y="1635646"/>
           <a:ext cx="2717870" cy="2595880"/>
         </p:xfrm>
         <a:graphic>
@@ -4531,14 +4542,14 @@
                 <a:gridCol w="339734">
                   <a:extLst>
                     <a:ext uri="{9D8B030D-6E8A-4147-A177-3AD203B41FA5}">
-                      <a16:colId xmlns:a16="http://schemas.microsoft.com/office/drawing/2014/main" xmlns="" val="20000"/>
+                      <a16:colId xmlns:a16="http://schemas.microsoft.com/office/drawing/2014/main" val="20000"/>
                     </a:ext>
                   </a:extLst>
                 </a:gridCol>
                 <a:gridCol w="2378136">
                   <a:extLst>
                     <a:ext uri="{9D8B030D-6E8A-4147-A177-3AD203B41FA5}">
-                      <a16:colId xmlns:a16="http://schemas.microsoft.com/office/drawing/2014/main" xmlns="" val="20001"/>
+                      <a16:colId xmlns:a16="http://schemas.microsoft.com/office/drawing/2014/main" val="20001"/>
                     </a:ext>
                   </a:extLst>
                 </a:gridCol>
@@ -4593,7 +4604,7 @@
                 </a:tc>
                 <a:extLst>
                   <a:ext uri="{0D108BD9-81ED-4DB2-BD59-A6C34878D82A}">
-                    <a16:rowId xmlns:a16="http://schemas.microsoft.com/office/drawing/2014/main" xmlns="" val="10000"/>
+                    <a16:rowId xmlns:a16="http://schemas.microsoft.com/office/drawing/2014/main" val="10000"/>
                   </a:ext>
                 </a:extLst>
               </a:tr>
@@ -4651,7 +4662,7 @@
                 </a:tc>
                 <a:extLst>
                   <a:ext uri="{0D108BD9-81ED-4DB2-BD59-A6C34878D82A}">
-                    <a16:rowId xmlns:a16="http://schemas.microsoft.com/office/drawing/2014/main" xmlns="" val="10001"/>
+                    <a16:rowId xmlns:a16="http://schemas.microsoft.com/office/drawing/2014/main" val="10001"/>
                   </a:ext>
                 </a:extLst>
               </a:tr>
@@ -4709,7 +4720,7 @@
                 </a:tc>
                 <a:extLst>
                   <a:ext uri="{0D108BD9-81ED-4DB2-BD59-A6C34878D82A}">
-                    <a16:rowId xmlns:a16="http://schemas.microsoft.com/office/drawing/2014/main" xmlns="" val="10002"/>
+                    <a16:rowId xmlns:a16="http://schemas.microsoft.com/office/drawing/2014/main" val="10002"/>
                   </a:ext>
                 </a:extLst>
               </a:tr>
@@ -4736,7 +4747,7 @@
                 </a:tc>
                 <a:extLst>
                   <a:ext uri="{0D108BD9-81ED-4DB2-BD59-A6C34878D82A}">
-                    <a16:rowId xmlns:a16="http://schemas.microsoft.com/office/drawing/2014/main" xmlns="" val="10003"/>
+                    <a16:rowId xmlns:a16="http://schemas.microsoft.com/office/drawing/2014/main" val="10003"/>
                   </a:ext>
                 </a:extLst>
               </a:tr>
@@ -4763,7 +4774,7 @@
                 </a:tc>
                 <a:extLst>
                   <a:ext uri="{0D108BD9-81ED-4DB2-BD59-A6C34878D82A}">
-                    <a16:rowId xmlns:a16="http://schemas.microsoft.com/office/drawing/2014/main" xmlns="" val="10004"/>
+                    <a16:rowId xmlns:a16="http://schemas.microsoft.com/office/drawing/2014/main" val="10004"/>
                   </a:ext>
                 </a:extLst>
               </a:tr>
@@ -4790,7 +4801,7 @@
                 </a:tc>
                 <a:extLst>
                   <a:ext uri="{0D108BD9-81ED-4DB2-BD59-A6C34878D82A}">
-                    <a16:rowId xmlns:a16="http://schemas.microsoft.com/office/drawing/2014/main" xmlns="" val="10005"/>
+                    <a16:rowId xmlns:a16="http://schemas.microsoft.com/office/drawing/2014/main" val="10005"/>
                   </a:ext>
                 </a:extLst>
               </a:tr>
@@ -4817,7 +4828,7 @@
                 </a:tc>
                 <a:extLst>
                   <a:ext uri="{0D108BD9-81ED-4DB2-BD59-A6C34878D82A}">
-                    <a16:rowId xmlns:a16="http://schemas.microsoft.com/office/drawing/2014/main" xmlns="" val="10006"/>
+                    <a16:rowId xmlns:a16="http://schemas.microsoft.com/office/drawing/2014/main" val="10006"/>
                   </a:ext>
                 </a:extLst>
               </a:tr>
@@ -4833,7 +4844,7 @@
         </p:nvSpPr>
         <p:spPr>
           <a:xfrm>
-            <a:off x="6971948" y="879168"/>
+            <a:off x="6971948" y="1275606"/>
             <a:ext cx="1107996" cy="369332"/>
           </a:xfrm>
           <a:prstGeom prst="rect">
@@ -4850,6 +4861,142 @@
             <a:r>
               <a:rPr lang="zh-TW" altLang="en-US" dirty="0" smtClean="0"/>
               <a:t>裝置版本</a:t>
+            </a:r>
+            <a:endParaRPr lang="zh-TW" altLang="en-US" dirty="0"/>
+          </a:p>
+        </p:txBody>
+      </p:sp>
+      <p:sp>
+        <p:nvSpPr>
+          <p:cNvPr id="3" name="矩形 2"/>
+          <p:cNvSpPr/>
+          <p:nvPr/>
+        </p:nvSpPr>
+        <p:spPr>
+          <a:xfrm>
+            <a:off x="294215" y="627534"/>
+            <a:ext cx="2332132" cy="288032"/>
+          </a:xfrm>
+          <a:prstGeom prst="rect">
+            <a:avLst/>
+          </a:prstGeom>
+          <a:solidFill>
+            <a:schemeClr val="bg1"/>
+          </a:solidFill>
+        </p:spPr>
+        <p:style>
+          <a:lnRef idx="2">
+            <a:schemeClr val="accent1">
+              <a:shade val="50000"/>
+            </a:schemeClr>
+          </a:lnRef>
+          <a:fillRef idx="1">
+            <a:schemeClr val="accent1"/>
+          </a:fillRef>
+          <a:effectRef idx="0">
+            <a:schemeClr val="accent1"/>
+          </a:effectRef>
+          <a:fontRef idx="minor">
+            <a:schemeClr val="lt1"/>
+          </a:fontRef>
+        </p:style>
+        <p:txBody>
+          <a:bodyPr rtlCol="0" anchor="ctr"/>
+          <a:lstStyle/>
+          <a:p>
+            <a:r>
+              <a:rPr lang="zh-TW" altLang="en-US" dirty="0" smtClean="0">
+                <a:solidFill>
+                  <a:schemeClr val="tx1"/>
+                </a:solidFill>
+              </a:rPr>
+              <a:t>瀏覽器</a:t>
+            </a:r>
+            <a:endParaRPr lang="zh-TW" altLang="en-US" dirty="0">
+              <a:solidFill>
+                <a:schemeClr val="tx1"/>
+              </a:solidFill>
+            </a:endParaRPr>
+          </a:p>
+        </p:txBody>
+      </p:sp>
+      <p:sp>
+        <p:nvSpPr>
+          <p:cNvPr id="13" name="等腰三角形 12"/>
+          <p:cNvSpPr/>
+          <p:nvPr/>
+        </p:nvSpPr>
+        <p:spPr>
+          <a:xfrm rot="10800000">
+            <a:off x="2294846" y="697441"/>
+            <a:ext cx="241722" cy="181292"/>
+          </a:xfrm>
+          <a:prstGeom prst="triangle">
+            <a:avLst/>
+          </a:prstGeom>
+        </p:spPr>
+        <p:style>
+          <a:lnRef idx="2">
+            <a:schemeClr val="accent1">
+              <a:shade val="50000"/>
+            </a:schemeClr>
+          </a:lnRef>
+          <a:fillRef idx="1">
+            <a:schemeClr val="accent1"/>
+          </a:fillRef>
+          <a:effectRef idx="0">
+            <a:schemeClr val="accent1"/>
+          </a:effectRef>
+          <a:fontRef idx="minor">
+            <a:schemeClr val="lt1"/>
+          </a:fontRef>
+        </p:style>
+        <p:txBody>
+          <a:bodyPr rtlCol="0" anchor="ctr"/>
+          <a:lstStyle/>
+          <a:p>
+            <a:pPr algn="ctr"/>
+            <a:endParaRPr lang="zh-TW" altLang="en-US"/>
+          </a:p>
+        </p:txBody>
+      </p:sp>
+      <p:sp>
+        <p:nvSpPr>
+          <p:cNvPr id="14" name="矩形 13"/>
+          <p:cNvSpPr/>
+          <p:nvPr/>
+        </p:nvSpPr>
+        <p:spPr>
+          <a:xfrm>
+            <a:off x="2699792" y="627534"/>
+            <a:ext cx="720080" cy="288032"/>
+          </a:xfrm>
+          <a:prstGeom prst="rect">
+            <a:avLst/>
+          </a:prstGeom>
+        </p:spPr>
+        <p:style>
+          <a:lnRef idx="0">
+            <a:schemeClr val="accent1"/>
+          </a:lnRef>
+          <a:fillRef idx="3">
+            <a:schemeClr val="accent1"/>
+          </a:fillRef>
+          <a:effectRef idx="3">
+            <a:schemeClr val="accent1"/>
+          </a:effectRef>
+          <a:fontRef idx="minor">
+            <a:schemeClr val="lt1"/>
+          </a:fontRef>
+        </p:style>
+        <p:txBody>
+          <a:bodyPr rtlCol="0" anchor="ctr"/>
+          <a:lstStyle/>
+          <a:p>
+            <a:pPr algn="ctr"/>
+            <a:r>
+              <a:rPr lang="zh-TW" altLang="en-US" dirty="0" smtClean="0"/>
+              <a:t>新增</a:t>
             </a:r>
             <a:endParaRPr lang="zh-TW" altLang="en-US" dirty="0"/>
           </a:p>
@@ -5083,7 +5230,18 @@
                   <a:latin typeface="華康棒棒體W5(P)" pitchFamily="82" charset="-120"/>
                   <a:ea typeface="華康棒棒體W5(P)" pitchFamily="82" charset="-120"/>
                 </a:rPr>
-                <a:t>歷史紀錄</a:t>
+                <a:t>歷史紀錄　</a:t>
+              </a:r>
+              <a:r>
+                <a:rPr lang="zh-TW" altLang="en-US" sz="1600" dirty="0">
+                  <a:solidFill>
+                    <a:schemeClr val="bg1"/>
+                  </a:solidFill>
+                  <a:latin typeface="華康棒棒體W5(P)" pitchFamily="82" charset="-120"/>
+                  <a:ea typeface="華康棒棒體W5(P)" pitchFamily="82" charset="-120"/>
+                  <a:sym typeface="Wingdings" panose="05000000000000000000" pitchFamily="2" charset="2"/>
+                </a:rPr>
+                <a:t> 管理版本</a:t>
               </a:r>
               <a:r>
                 <a:rPr lang="zh-TW" altLang="en-US" sz="1600" dirty="0" smtClean="0">
@@ -5134,35 +5292,35 @@
                 <a:gridCol w="2016224">
                   <a:extLst>
                     <a:ext uri="{9D8B030D-6E8A-4147-A177-3AD203B41FA5}">
-                      <a16:colId xmlns:a16="http://schemas.microsoft.com/office/drawing/2014/main" xmlns="" val="20000"/>
+                      <a16:colId xmlns:a16="http://schemas.microsoft.com/office/drawing/2014/main" val="20000"/>
                     </a:ext>
                   </a:extLst>
                 </a:gridCol>
                 <a:gridCol w="1512168">
                   <a:extLst>
                     <a:ext uri="{9D8B030D-6E8A-4147-A177-3AD203B41FA5}">
-                      <a16:colId xmlns:a16="http://schemas.microsoft.com/office/drawing/2014/main" xmlns="" val="20001"/>
+                      <a16:colId xmlns:a16="http://schemas.microsoft.com/office/drawing/2014/main" val="20001"/>
                     </a:ext>
                   </a:extLst>
                 </a:gridCol>
                 <a:gridCol w="1512168">
                   <a:extLst>
                     <a:ext uri="{9D8B030D-6E8A-4147-A177-3AD203B41FA5}">
-                      <a16:colId xmlns:a16="http://schemas.microsoft.com/office/drawing/2014/main" xmlns="" val="20002"/>
+                      <a16:colId xmlns:a16="http://schemas.microsoft.com/office/drawing/2014/main" val="20002"/>
                     </a:ext>
                   </a:extLst>
                 </a:gridCol>
                 <a:gridCol w="1512168">
                   <a:extLst>
                     <a:ext uri="{9D8B030D-6E8A-4147-A177-3AD203B41FA5}">
-                      <a16:colId xmlns:a16="http://schemas.microsoft.com/office/drawing/2014/main" xmlns="" val="1519873180"/>
+                      <a16:colId xmlns:a16="http://schemas.microsoft.com/office/drawing/2014/main" val="1519873180"/>
                     </a:ext>
                   </a:extLst>
                 </a:gridCol>
                 <a:gridCol w="1512168">
                   <a:extLst>
                     <a:ext uri="{9D8B030D-6E8A-4147-A177-3AD203B41FA5}">
-                      <a16:colId xmlns:a16="http://schemas.microsoft.com/office/drawing/2014/main" xmlns="" val="20003"/>
+                      <a16:colId xmlns:a16="http://schemas.microsoft.com/office/drawing/2014/main" val="20003"/>
                     </a:ext>
                   </a:extLst>
                 </a:gridCol>
@@ -5306,7 +5464,7 @@
                 </a:tc>
                 <a:extLst>
                   <a:ext uri="{0D108BD9-81ED-4DB2-BD59-A6C34878D82A}">
-                    <a16:rowId xmlns:a16="http://schemas.microsoft.com/office/drawing/2014/main" xmlns="" val="10000"/>
+                    <a16:rowId xmlns:a16="http://schemas.microsoft.com/office/drawing/2014/main" val="10000"/>
                   </a:ext>
                 </a:extLst>
               </a:tr>
@@ -5527,7 +5685,7 @@
                 </a:tc>
                 <a:extLst>
                   <a:ext uri="{0D108BD9-81ED-4DB2-BD59-A6C34878D82A}">
-                    <a16:rowId xmlns:a16="http://schemas.microsoft.com/office/drawing/2014/main" xmlns="" val="10001"/>
+                    <a16:rowId xmlns:a16="http://schemas.microsoft.com/office/drawing/2014/main" val="10001"/>
                   </a:ext>
                 </a:extLst>
               </a:tr>
@@ -5722,7 +5880,7 @@
                 </a:tc>
                 <a:extLst>
                   <a:ext uri="{0D108BD9-81ED-4DB2-BD59-A6C34878D82A}">
-                    <a16:rowId xmlns:a16="http://schemas.microsoft.com/office/drawing/2014/main" xmlns="" val="10002"/>
+                    <a16:rowId xmlns:a16="http://schemas.microsoft.com/office/drawing/2014/main" val="10002"/>
                   </a:ext>
                 </a:extLst>
               </a:tr>
@@ -5943,7 +6101,7 @@
                 </a:tc>
                 <a:extLst>
                   <a:ext uri="{0D108BD9-81ED-4DB2-BD59-A6C34878D82A}">
-                    <a16:rowId xmlns:a16="http://schemas.microsoft.com/office/drawing/2014/main" xmlns="" val="10003"/>
+                    <a16:rowId xmlns:a16="http://schemas.microsoft.com/office/drawing/2014/main" val="10003"/>
                   </a:ext>
                 </a:extLst>
               </a:tr>
@@ -6066,7 +6224,7 @@
                 </a:tc>
                 <a:extLst>
                   <a:ext uri="{0D108BD9-81ED-4DB2-BD59-A6C34878D82A}">
-                    <a16:rowId xmlns:a16="http://schemas.microsoft.com/office/drawing/2014/main" xmlns="" val="10004"/>
+                    <a16:rowId xmlns:a16="http://schemas.microsoft.com/office/drawing/2014/main" val="10004"/>
                   </a:ext>
                 </a:extLst>
               </a:tr>
@@ -6189,7 +6347,7 @@
                 </a:tc>
                 <a:extLst>
                   <a:ext uri="{0D108BD9-81ED-4DB2-BD59-A6C34878D82A}">
-                    <a16:rowId xmlns:a16="http://schemas.microsoft.com/office/drawing/2014/main" xmlns="" val="10005"/>
+                    <a16:rowId xmlns:a16="http://schemas.microsoft.com/office/drawing/2014/main" val="10005"/>
                   </a:ext>
                 </a:extLst>
               </a:tr>
@@ -6379,6 +6537,27 @@
                 </a:rPr>
                 <a:t>歷史紀錄　</a:t>
               </a:r>
+              <a:r>
+                <a:rPr lang="zh-TW" altLang="en-US" sz="1600" dirty="0">
+                  <a:solidFill>
+                    <a:schemeClr val="bg1"/>
+                  </a:solidFill>
+                  <a:latin typeface="華康棒棒體W5(P)" pitchFamily="82" charset="-120"/>
+                  <a:ea typeface="華康棒棒體W5(P)" pitchFamily="82" charset="-120"/>
+                  <a:sym typeface="Wingdings" panose="05000000000000000000" pitchFamily="2" charset="2"/>
+                </a:rPr>
+                <a:t> 管理版本</a:t>
+              </a:r>
+              <a:r>
+                <a:rPr lang="zh-TW" altLang="en-US" sz="1600" dirty="0" smtClean="0">
+                  <a:solidFill>
+                    <a:schemeClr val="bg1"/>
+                  </a:solidFill>
+                  <a:latin typeface="華康棒棒體W5(P)" pitchFamily="82" charset="-120"/>
+                  <a:ea typeface="華康棒棒體W5(P)" pitchFamily="82" charset="-120"/>
+                </a:rPr>
+                <a:t>　</a:t>
+              </a:r>
               <a:endParaRPr lang="zh-TW" altLang="en-US" sz="1600" dirty="0">
                 <a:solidFill>
                   <a:schemeClr val="bg1"/>
@@ -6418,28 +6597,28 @@
                 <a:gridCol w="3456384">
                   <a:extLst>
                     <a:ext uri="{9D8B030D-6E8A-4147-A177-3AD203B41FA5}">
-                      <a16:colId xmlns:a16="http://schemas.microsoft.com/office/drawing/2014/main" xmlns="" val="20000"/>
+                      <a16:colId xmlns:a16="http://schemas.microsoft.com/office/drawing/2014/main" val="20000"/>
                     </a:ext>
                   </a:extLst>
                 </a:gridCol>
                 <a:gridCol w="1728192">
                   <a:extLst>
                     <a:ext uri="{9D8B030D-6E8A-4147-A177-3AD203B41FA5}">
-                      <a16:colId xmlns:a16="http://schemas.microsoft.com/office/drawing/2014/main" xmlns="" val="4079379197"/>
+                      <a16:colId xmlns:a16="http://schemas.microsoft.com/office/drawing/2014/main" val="4079379197"/>
                     </a:ext>
                   </a:extLst>
                 </a:gridCol>
                 <a:gridCol w="1224136">
                   <a:extLst>
                     <a:ext uri="{9D8B030D-6E8A-4147-A177-3AD203B41FA5}">
-                      <a16:colId xmlns:a16="http://schemas.microsoft.com/office/drawing/2014/main" xmlns="" val="20002"/>
+                      <a16:colId xmlns:a16="http://schemas.microsoft.com/office/drawing/2014/main" val="20002"/>
                     </a:ext>
                   </a:extLst>
                 </a:gridCol>
                 <a:gridCol w="1478372">
                   <a:extLst>
                     <a:ext uri="{9D8B030D-6E8A-4147-A177-3AD203B41FA5}">
-                      <a16:colId xmlns:a16="http://schemas.microsoft.com/office/drawing/2014/main" xmlns="" val="20003"/>
+                      <a16:colId xmlns:a16="http://schemas.microsoft.com/office/drawing/2014/main" val="20003"/>
                     </a:ext>
                   </a:extLst>
                 </a:gridCol>
@@ -6476,11 +6655,7 @@
                       <a:pPr algn="ctr"/>
                       <a:r>
                         <a:rPr lang="zh-TW" altLang="en-US" dirty="0" smtClean="0"/>
-                        <a:t>裝置</a:t>
-                      </a:r>
-                      <a:r>
-                        <a:rPr lang="zh-TW" altLang="en-US" dirty="0" smtClean="0"/>
-                        <a:t>版本</a:t>
+                        <a:t>裝置版本</a:t>
                       </a:r>
                       <a:endParaRPr lang="zh-TW" altLang="en-US" dirty="0"/>
                     </a:p>
@@ -6519,7 +6694,7 @@
                 </a:tc>
                 <a:extLst>
                   <a:ext uri="{0D108BD9-81ED-4DB2-BD59-A6C34878D82A}">
-                    <a16:rowId xmlns:a16="http://schemas.microsoft.com/office/drawing/2014/main" xmlns="" val="10000"/>
+                    <a16:rowId xmlns:a16="http://schemas.microsoft.com/office/drawing/2014/main" val="10000"/>
                   </a:ext>
                 </a:extLst>
               </a:tr>
@@ -6543,11 +6718,7 @@
                       </a:r>
                       <a:r>
                         <a:rPr lang="en-US" altLang="zh-TW" baseline="0" dirty="0" smtClean="0"/>
-                        <a:t> 5.2</a:t>
-                      </a:r>
-                      <a:r>
-                        <a:rPr lang="en-US" altLang="zh-TW" baseline="0" dirty="0" smtClean="0"/>
-                        <a:t>)</a:t>
+                        <a:t> 5.2)</a:t>
                       </a:r>
                       <a:r>
                         <a:rPr lang="zh-TW" altLang="en-US" baseline="0" dirty="0" smtClean="0"/>
@@ -6648,7 +6819,7 @@
                 </a:tc>
                 <a:extLst>
                   <a:ext uri="{0D108BD9-81ED-4DB2-BD59-A6C34878D82A}">
-                    <a16:rowId xmlns:a16="http://schemas.microsoft.com/office/drawing/2014/main" xmlns="" val="10001"/>
+                    <a16:rowId xmlns:a16="http://schemas.microsoft.com/office/drawing/2014/main" val="10001"/>
                   </a:ext>
                 </a:extLst>
               </a:tr>
@@ -6806,7 +6977,7 @@
                 </a:tc>
                 <a:extLst>
                   <a:ext uri="{0D108BD9-81ED-4DB2-BD59-A6C34878D82A}">
-                    <a16:rowId xmlns:a16="http://schemas.microsoft.com/office/drawing/2014/main" xmlns="" val="10002"/>
+                    <a16:rowId xmlns:a16="http://schemas.microsoft.com/office/drawing/2014/main" val="10002"/>
                   </a:ext>
                 </a:extLst>
               </a:tr>
@@ -6847,11 +7018,7 @@
                       </a:r>
                       <a:r>
                         <a:rPr lang="en-US" altLang="zh-TW" baseline="0" dirty="0" smtClean="0"/>
-                        <a:t> 10</a:t>
-                      </a:r>
-                      <a:r>
-                        <a:rPr lang="en-US" altLang="zh-TW" baseline="0" dirty="0" smtClean="0"/>
-                        <a:t>)</a:t>
+                        <a:t> 10)</a:t>
                       </a:r>
                       <a:r>
                         <a:rPr lang="zh-TW" altLang="en-US" baseline="0" dirty="0" smtClean="0"/>
@@ -6989,7 +7156,7 @@
                 </a:tc>
                 <a:extLst>
                   <a:ext uri="{0D108BD9-81ED-4DB2-BD59-A6C34878D82A}">
-                    <a16:rowId xmlns:a16="http://schemas.microsoft.com/office/drawing/2014/main" xmlns="" val="10003"/>
+                    <a16:rowId xmlns:a16="http://schemas.microsoft.com/office/drawing/2014/main" val="10003"/>
                   </a:ext>
                 </a:extLst>
               </a:tr>
@@ -7030,11 +7197,7 @@
                       </a:r>
                       <a:r>
                         <a:rPr lang="en-US" altLang="zh-TW" baseline="0" dirty="0" smtClean="0"/>
-                        <a:t> 10</a:t>
-                      </a:r>
-                      <a:r>
-                        <a:rPr lang="en-US" altLang="zh-TW" baseline="0" dirty="0" smtClean="0"/>
-                        <a:t>)</a:t>
+                        <a:t> 10)</a:t>
                       </a:r>
                       <a:r>
                         <a:rPr lang="zh-TW" altLang="en-US" baseline="0" dirty="0" smtClean="0"/>
@@ -7204,7 +7367,7 @@
                 </a:tc>
                 <a:extLst>
                   <a:ext uri="{0D108BD9-81ED-4DB2-BD59-A6C34878D82A}">
-                    <a16:rowId xmlns:a16="http://schemas.microsoft.com/office/drawing/2014/main" xmlns="" val="10004"/>
+                    <a16:rowId xmlns:a16="http://schemas.microsoft.com/office/drawing/2014/main" val="10004"/>
                   </a:ext>
                 </a:extLst>
               </a:tr>
@@ -7294,6 +7457,1474 @@
 </file>
 
 <file path=ppt/slides/slide5.xml><?xml version="1.0" encoding="utf-8"?>
+<p:sld xmlns:a="http://schemas.openxmlformats.org/drawingml/2006/main" xmlns:r="http://schemas.openxmlformats.org/officeDocument/2006/relationships" xmlns:p="http://schemas.openxmlformats.org/presentationml/2006/main">
+  <p:cSld>
+    <p:spTree>
+      <p:nvGrpSpPr>
+        <p:cNvPr id="1" name=""/>
+        <p:cNvGrpSpPr/>
+        <p:nvPr/>
+      </p:nvGrpSpPr>
+      <p:grpSpPr>
+        <a:xfrm>
+          <a:off x="0" y="0"/>
+          <a:ext cx="0" cy="0"/>
+          <a:chOff x="0" y="0"/>
+          <a:chExt cx="0" cy="0"/>
+        </a:xfrm>
+      </p:grpSpPr>
+      <p:grpSp>
+        <p:nvGrpSpPr>
+          <p:cNvPr id="9" name="群組 8"/>
+          <p:cNvGrpSpPr/>
+          <p:nvPr/>
+        </p:nvGrpSpPr>
+        <p:grpSpPr>
+          <a:xfrm>
+            <a:off x="0" y="0"/>
+            <a:ext cx="9144000" cy="411510"/>
+            <a:chOff x="0" y="0"/>
+            <a:chExt cx="9144000" cy="411510"/>
+          </a:xfrm>
+        </p:grpSpPr>
+        <p:sp>
+          <p:nvSpPr>
+            <p:cNvPr id="10" name="矩形 9"/>
+            <p:cNvSpPr/>
+            <p:nvPr/>
+          </p:nvSpPr>
+          <p:spPr>
+            <a:xfrm>
+              <a:off x="0" y="0"/>
+              <a:ext cx="9144000" cy="411510"/>
+            </a:xfrm>
+            <a:prstGeom prst="rect">
+              <a:avLst/>
+            </a:prstGeom>
+          </p:spPr>
+          <p:style>
+            <a:lnRef idx="2">
+              <a:schemeClr val="accent1">
+                <a:shade val="50000"/>
+              </a:schemeClr>
+            </a:lnRef>
+            <a:fillRef idx="1">
+              <a:schemeClr val="accent1"/>
+            </a:fillRef>
+            <a:effectRef idx="0">
+              <a:schemeClr val="accent1"/>
+            </a:effectRef>
+            <a:fontRef idx="minor">
+              <a:schemeClr val="lt1"/>
+            </a:fontRef>
+          </p:style>
+          <p:txBody>
+            <a:bodyPr rtlCol="0" anchor="ctr"/>
+            <a:lstStyle/>
+            <a:p>
+              <a:pPr algn="r"/>
+              <a:r>
+                <a:rPr lang="zh-TW" altLang="en-US" dirty="0" smtClean="0">
+                  <a:solidFill>
+                    <a:schemeClr val="bg1"/>
+                  </a:solidFill>
+                  <a:latin typeface="華康棒棒體W5(P)" pitchFamily="82" charset="-120"/>
+                  <a:ea typeface="華康棒棒體W5(P)" pitchFamily="82" charset="-120"/>
+                  <a:sym typeface="Wingdings"/>
+                </a:rPr>
+                <a:t>登</a:t>
+              </a:r>
+              <a:r>
+                <a:rPr lang="zh-TW" altLang="en-US" dirty="0" smtClean="0">
+                  <a:solidFill>
+                    <a:schemeClr val="bg1"/>
+                  </a:solidFill>
+                  <a:latin typeface="華康棒棒體W5(P)" pitchFamily="82" charset="-120"/>
+                  <a:ea typeface="華康棒棒體W5(P)" pitchFamily="82" charset="-120"/>
+                </a:rPr>
+                <a:t>出</a:t>
+              </a:r>
+              <a:endParaRPr lang="zh-TW" altLang="en-US" dirty="0">
+                <a:solidFill>
+                  <a:schemeClr val="bg1"/>
+                </a:solidFill>
+                <a:latin typeface="華康棒棒體W5(P)" pitchFamily="82" charset="-120"/>
+                <a:ea typeface="華康棒棒體W5(P)" pitchFamily="82" charset="-120"/>
+              </a:endParaRPr>
+            </a:p>
+          </p:txBody>
+        </p:sp>
+        <p:sp>
+          <p:nvSpPr>
+            <p:cNvPr id="11" name="文字方塊 10"/>
+            <p:cNvSpPr txBox="1"/>
+            <p:nvPr/>
+          </p:nvSpPr>
+          <p:spPr>
+            <a:xfrm>
+              <a:off x="107504" y="21089"/>
+              <a:ext cx="4210260" cy="338554"/>
+            </a:xfrm>
+            <a:prstGeom prst="rect">
+              <a:avLst/>
+            </a:prstGeom>
+            <a:noFill/>
+          </p:spPr>
+          <p:txBody>
+            <a:bodyPr wrap="square" rtlCol="0">
+              <a:spAutoFit/>
+            </a:bodyPr>
+            <a:lstStyle/>
+            <a:p>
+              <a:r>
+                <a:rPr lang="zh-TW" altLang="en-US" sz="1600" dirty="0" smtClean="0">
+                  <a:solidFill>
+                    <a:schemeClr val="bg1"/>
+                  </a:solidFill>
+                  <a:latin typeface="華康棒棒體W5(P)" pitchFamily="82" charset="-120"/>
+                  <a:ea typeface="華康棒棒體W5(P)" pitchFamily="82" charset="-120"/>
+                  <a:sym typeface="Wingdings 2"/>
+                </a:rPr>
+                <a:t> 執行</a:t>
+              </a:r>
+              <a:r>
+                <a:rPr lang="zh-TW" altLang="en-US" sz="1600" dirty="0" smtClean="0">
+                  <a:solidFill>
+                    <a:schemeClr val="bg1"/>
+                  </a:solidFill>
+                  <a:latin typeface="華康棒棒體W5(P)" pitchFamily="82" charset="-120"/>
+                  <a:ea typeface="華康棒棒體W5(P)" pitchFamily="82" charset="-120"/>
+                </a:rPr>
+                <a:t>測試　</a:t>
+              </a:r>
+              <a:r>
+                <a:rPr lang="zh-TW" altLang="en-US" sz="1600" dirty="0" smtClean="0">
+                  <a:solidFill>
+                    <a:schemeClr val="bg1"/>
+                  </a:solidFill>
+                  <a:latin typeface="華康棒棒體W5(P)" pitchFamily="82" charset="-120"/>
+                  <a:ea typeface="華康棒棒體W5(P)" pitchFamily="82" charset="-120"/>
+                  <a:sym typeface="Wingdings"/>
+                </a:rPr>
+                <a:t> </a:t>
+              </a:r>
+              <a:r>
+                <a:rPr lang="zh-TW" altLang="en-US" sz="1600" dirty="0" smtClean="0">
+                  <a:solidFill>
+                    <a:schemeClr val="bg1"/>
+                  </a:solidFill>
+                  <a:latin typeface="華康棒棒體W5(P)" pitchFamily="82" charset="-120"/>
+                  <a:ea typeface="華康棒棒體W5(P)" pitchFamily="82" charset="-120"/>
+                </a:rPr>
+                <a:t>歷史紀錄　</a:t>
+              </a:r>
+              <a:r>
+                <a:rPr lang="zh-TW" altLang="en-US" sz="1600" dirty="0">
+                  <a:solidFill>
+                    <a:schemeClr val="bg1"/>
+                  </a:solidFill>
+                  <a:latin typeface="華康棒棒體W5(P)" pitchFamily="82" charset="-120"/>
+                  <a:ea typeface="華康棒棒體W5(P)" pitchFamily="82" charset="-120"/>
+                  <a:sym typeface="Wingdings" panose="05000000000000000000" pitchFamily="2" charset="2"/>
+                </a:rPr>
+                <a:t> </a:t>
+              </a:r>
+              <a:r>
+                <a:rPr lang="zh-TW" altLang="en-US" sz="1600" dirty="0">
+                  <a:solidFill>
+                    <a:srgbClr val="FF0000"/>
+                  </a:solidFill>
+                  <a:latin typeface="華康棒棒體W5(P)" pitchFamily="82" charset="-120"/>
+                  <a:ea typeface="華康棒棒體W5(P)" pitchFamily="82" charset="-120"/>
+                  <a:sym typeface="Wingdings" panose="05000000000000000000" pitchFamily="2" charset="2"/>
+                </a:rPr>
+                <a:t>管理版本</a:t>
+              </a:r>
+              <a:r>
+                <a:rPr lang="zh-TW" altLang="en-US" sz="1600" dirty="0" smtClean="0">
+                  <a:solidFill>
+                    <a:schemeClr val="bg1"/>
+                  </a:solidFill>
+                  <a:latin typeface="華康棒棒體W5(P)" pitchFamily="82" charset="-120"/>
+                  <a:ea typeface="華康棒棒體W5(P)" pitchFamily="82" charset="-120"/>
+                </a:rPr>
+                <a:t>　</a:t>
+              </a:r>
+              <a:endParaRPr lang="zh-TW" altLang="en-US" sz="1600" dirty="0">
+                <a:solidFill>
+                  <a:schemeClr val="bg1"/>
+                </a:solidFill>
+                <a:latin typeface="華康棒棒體W5(P)" pitchFamily="82" charset="-120"/>
+                <a:ea typeface="華康棒棒體W5(P)" pitchFamily="82" charset="-120"/>
+              </a:endParaRPr>
+            </a:p>
+          </p:txBody>
+        </p:sp>
+      </p:grpSp>
+      <p:graphicFrame>
+        <p:nvGraphicFramePr>
+          <p:cNvPr id="12" name="表格 11"/>
+          <p:cNvGraphicFramePr>
+            <a:graphicFrameLocks noGrp="1"/>
+          </p:cNvGraphicFramePr>
+          <p:nvPr>
+            <p:extLst>
+              <p:ext uri="{D42A27DB-BD31-4B8C-83A1-F6EECF244321}">
+                <p14:modId xmlns:p14="http://schemas.microsoft.com/office/powerpoint/2010/main" val="4157610445"/>
+              </p:ext>
+            </p:extLst>
+          </p:nvPr>
+        </p:nvGraphicFramePr>
+        <p:xfrm>
+          <a:off x="1383169" y="699542"/>
+          <a:ext cx="6377662" cy="2895604"/>
+        </p:xfrm>
+        <a:graphic>
+          <a:graphicData uri="http://schemas.openxmlformats.org/drawingml/2006/table">
+            <a:tbl>
+              <a:tblPr firstRow="1">
+                <a:tableStyleId>{5C22544A-7EE6-4342-B048-85BDC9FD1C3A}</a:tableStyleId>
+              </a:tblPr>
+              <a:tblGrid>
+                <a:gridCol w="1604655">
+                  <a:extLst>
+                    <a:ext uri="{9D8B030D-6E8A-4147-A177-3AD203B41FA5}">
+                      <a16:colId xmlns:a16="http://schemas.microsoft.com/office/drawing/2014/main" val="20000"/>
+                    </a:ext>
+                  </a:extLst>
+                </a:gridCol>
+                <a:gridCol w="3554802">
+                  <a:extLst>
+                    <a:ext uri="{9D8B030D-6E8A-4147-A177-3AD203B41FA5}">
+                      <a16:colId xmlns:a16="http://schemas.microsoft.com/office/drawing/2014/main" val="4079379197"/>
+                    </a:ext>
+                  </a:extLst>
+                </a:gridCol>
+                <a:gridCol w="1218205">
+                  <a:extLst>
+                    <a:ext uri="{9D8B030D-6E8A-4147-A177-3AD203B41FA5}">
+                      <a16:colId xmlns:a16="http://schemas.microsoft.com/office/drawing/2014/main" val="20002"/>
+                    </a:ext>
+                  </a:extLst>
+                </a:gridCol>
+              </a:tblGrid>
+              <a:tr h="408940">
+                <a:tc>
+                  <a:txBody>
+                    <a:bodyPr/>
+                    <a:lstStyle/>
+                    <a:p>
+                      <a:pPr algn="ctr"/>
+                      <a:r>
+                        <a:rPr lang="zh-TW" altLang="en-US" dirty="0" smtClean="0"/>
+                        <a:t>版本類別</a:t>
+                      </a:r>
+                      <a:endParaRPr lang="zh-TW" altLang="en-US" dirty="0"/>
+                    </a:p>
+                  </a:txBody>
+                  <a:tcPr/>
+                </a:tc>
+                <a:tc>
+                  <a:txBody>
+                    <a:bodyPr/>
+                    <a:lstStyle/>
+                    <a:p>
+                      <a:pPr algn="ctr"/>
+                      <a:r>
+                        <a:rPr lang="zh-TW" altLang="en-US" dirty="0" smtClean="0"/>
+                        <a:t>版本名稱</a:t>
+                      </a:r>
+                      <a:endParaRPr lang="zh-TW" altLang="en-US" dirty="0"/>
+                    </a:p>
+                  </a:txBody>
+                  <a:tcPr/>
+                </a:tc>
+                <a:tc>
+                  <a:txBody>
+                    <a:bodyPr/>
+                    <a:lstStyle/>
+                    <a:p>
+                      <a:pPr algn="ctr"/>
+                      <a:r>
+                        <a:rPr lang="zh-TW" altLang="en-US" dirty="0" smtClean="0"/>
+                        <a:t>刪除</a:t>
+                      </a:r>
+                      <a:endParaRPr lang="zh-TW" altLang="en-US" dirty="0"/>
+                    </a:p>
+                  </a:txBody>
+                  <a:tcPr/>
+                </a:tc>
+                <a:extLst>
+                  <a:ext uri="{0D108BD9-81ED-4DB2-BD59-A6C34878D82A}">
+                    <a16:rowId xmlns:a16="http://schemas.microsoft.com/office/drawing/2014/main" val="10000"/>
+                  </a:ext>
+                </a:extLst>
+              </a:tr>
+              <a:tr h="383148">
+                <a:tc rowSpan="3">
+                  <a:txBody>
+                    <a:bodyPr/>
+                    <a:lstStyle/>
+                    <a:p>
+                      <a:pPr algn="ctr"/>
+                      <a:r>
+                        <a:rPr lang="zh-TW" altLang="en-US" dirty="0" smtClean="0"/>
+                        <a:t>裝置</a:t>
+                      </a:r>
+                      <a:endParaRPr lang="zh-TW" altLang="en-US" dirty="0"/>
+                    </a:p>
+                  </a:txBody>
+                  <a:tcPr anchor="ctr">
+                    <a:lnR w="12700" cmpd="sng">
+                      <a:noFill/>
+                    </a:lnR>
+                  </a:tcPr>
+                </a:tc>
+                <a:tc>
+                  <a:txBody>
+                    <a:bodyPr/>
+                    <a:lstStyle/>
+                    <a:p>
+                      <a:pPr algn="l"/>
+                      <a:r>
+                        <a:rPr lang="en-US" altLang="zh-TW" dirty="0" smtClean="0"/>
+                        <a:t>Motion 1.01</a:t>
+                      </a:r>
+                      <a:endParaRPr lang="zh-TW" altLang="en-US" dirty="0"/>
+                    </a:p>
+                  </a:txBody>
+                  <a:tcPr>
+                    <a:lnL w="12700" cmpd="sng">
+                      <a:noFill/>
+                    </a:lnL>
+                    <a:lnR w="12700" cmpd="sng">
+                      <a:noFill/>
+                    </a:lnR>
+                  </a:tcPr>
+                </a:tc>
+                <a:tc>
+                  <a:txBody>
+                    <a:bodyPr/>
+                    <a:lstStyle/>
+                    <a:p>
+                      <a:pPr algn="ctr"/>
+                      <a:endParaRPr lang="zh-TW" altLang="en-US" dirty="0"/>
+                    </a:p>
+                  </a:txBody>
+                  <a:tcPr>
+                    <a:lnL w="12700" cmpd="sng">
+                      <a:noFill/>
+                    </a:lnL>
+                    <a:lnR w="12700" cmpd="sng">
+                      <a:noFill/>
+                    </a:lnR>
+                  </a:tcPr>
+                </a:tc>
+                <a:extLst>
+                  <a:ext uri="{0D108BD9-81ED-4DB2-BD59-A6C34878D82A}">
+                    <a16:rowId xmlns:a16="http://schemas.microsoft.com/office/drawing/2014/main" val="10001"/>
+                  </a:ext>
+                </a:extLst>
+              </a:tr>
+              <a:tr h="408940">
+                <a:tc vMerge="1">
+                  <a:txBody>
+                    <a:bodyPr/>
+                    <a:lstStyle/>
+                    <a:p>
+                      <a:pPr marL="0" marR="0" indent="0" algn="ctr" defTabSz="914400" rtl="0" eaLnBrk="1" fontAlgn="auto" latinLnBrk="0" hangingPunct="1">
+                        <a:lnSpc>
+                          <a:spcPct val="100000"/>
+                        </a:lnSpc>
+                        <a:spcBef>
+                          <a:spcPts val="0"/>
+                        </a:spcBef>
+                        <a:spcAft>
+                          <a:spcPts val="0"/>
+                        </a:spcAft>
+                        <a:buClrTx/>
+                        <a:buSzTx/>
+                        <a:buFontTx/>
+                        <a:buNone/>
+                        <a:tabLst/>
+                        <a:defRPr/>
+                      </a:pPr>
+                      <a:endParaRPr lang="zh-TW" altLang="en-US" dirty="0"/>
+                    </a:p>
+                  </a:txBody>
+                  <a:tcPr>
+                    <a:lnR w="12700" cmpd="sng">
+                      <a:noFill/>
+                    </a:lnR>
+                  </a:tcPr>
+                </a:tc>
+                <a:tc>
+                  <a:txBody>
+                    <a:bodyPr/>
+                    <a:lstStyle/>
+                    <a:p>
+                      <a:pPr algn="l"/>
+                      <a:r>
+                        <a:rPr lang="en-US" altLang="zh-TW" dirty="0" smtClean="0"/>
+                        <a:t>Thermo</a:t>
+                      </a:r>
+                      <a:r>
+                        <a:rPr lang="en-US" altLang="zh-TW" baseline="0" dirty="0" smtClean="0"/>
+                        <a:t> 0.5</a:t>
+                      </a:r>
+                      <a:endParaRPr lang="zh-TW" altLang="en-US" dirty="0"/>
+                    </a:p>
+                  </a:txBody>
+                  <a:tcPr>
+                    <a:lnL w="12700" cmpd="sng">
+                      <a:noFill/>
+                    </a:lnL>
+                    <a:lnR w="12700" cmpd="sng">
+                      <a:noFill/>
+                    </a:lnR>
+                  </a:tcPr>
+                </a:tc>
+                <a:tc>
+                  <a:txBody>
+                    <a:bodyPr/>
+                    <a:lstStyle/>
+                    <a:p>
+                      <a:pPr marL="0" marR="0" indent="0" algn="ctr" defTabSz="914400" rtl="0" eaLnBrk="1" fontAlgn="auto" latinLnBrk="0" hangingPunct="1">
+                        <a:lnSpc>
+                          <a:spcPct val="100000"/>
+                        </a:lnSpc>
+                        <a:spcBef>
+                          <a:spcPts val="0"/>
+                        </a:spcBef>
+                        <a:spcAft>
+                          <a:spcPts val="0"/>
+                        </a:spcAft>
+                        <a:buClrTx/>
+                        <a:buSzTx/>
+                        <a:buFontTx/>
+                        <a:buNone/>
+                        <a:tabLst/>
+                        <a:defRPr/>
+                      </a:pPr>
+                      <a:endParaRPr lang="zh-TW" altLang="en-US" dirty="0" smtClean="0"/>
+                    </a:p>
+                  </a:txBody>
+                  <a:tcPr>
+                    <a:lnL w="12700" cmpd="sng">
+                      <a:noFill/>
+                    </a:lnL>
+                    <a:lnR w="12700" cmpd="sng">
+                      <a:noFill/>
+                    </a:lnR>
+                  </a:tcPr>
+                </a:tc>
+                <a:extLst>
+                  <a:ext uri="{0D108BD9-81ED-4DB2-BD59-A6C34878D82A}">
+                    <a16:rowId xmlns:a16="http://schemas.microsoft.com/office/drawing/2014/main" val="10003"/>
+                  </a:ext>
+                </a:extLst>
+              </a:tr>
+              <a:tr h="423644">
+                <a:tc vMerge="1">
+                  <a:txBody>
+                    <a:bodyPr/>
+                    <a:lstStyle/>
+                    <a:p>
+                      <a:pPr marL="0" marR="0" indent="0" algn="ctr" defTabSz="914400" rtl="0" eaLnBrk="1" fontAlgn="auto" latinLnBrk="0" hangingPunct="1">
+                        <a:lnSpc>
+                          <a:spcPct val="100000"/>
+                        </a:lnSpc>
+                        <a:spcBef>
+                          <a:spcPts val="0"/>
+                        </a:spcBef>
+                        <a:spcAft>
+                          <a:spcPts val="0"/>
+                        </a:spcAft>
+                        <a:buClrTx/>
+                        <a:buSzTx/>
+                        <a:buFontTx/>
+                        <a:buNone/>
+                        <a:tabLst/>
+                        <a:defRPr/>
+                      </a:pPr>
+                      <a:endParaRPr lang="zh-TW" altLang="en-US" dirty="0" smtClean="0"/>
+                    </a:p>
+                  </a:txBody>
+                  <a:tcPr>
+                    <a:lnR w="12700" cmpd="sng">
+                      <a:noFill/>
+                    </a:lnR>
+                  </a:tcPr>
+                </a:tc>
+                <a:tc>
+                  <a:txBody>
+                    <a:bodyPr/>
+                    <a:lstStyle/>
+                    <a:p>
+                      <a:pPr marL="0" marR="0" indent="0" algn="l" defTabSz="914400" rtl="0" eaLnBrk="1" fontAlgn="auto" latinLnBrk="0" hangingPunct="1">
+                        <a:lnSpc>
+                          <a:spcPct val="100000"/>
+                        </a:lnSpc>
+                        <a:spcBef>
+                          <a:spcPts val="0"/>
+                        </a:spcBef>
+                        <a:spcAft>
+                          <a:spcPts val="0"/>
+                        </a:spcAft>
+                        <a:buClrTx/>
+                        <a:buSzTx/>
+                        <a:buFontTx/>
+                        <a:buNone/>
+                        <a:tabLst/>
+                        <a:defRPr/>
+                      </a:pPr>
+                      <a:r>
+                        <a:rPr lang="en-US" altLang="zh-TW" dirty="0" smtClean="0"/>
+                        <a:t>Thermo</a:t>
+                      </a:r>
+                      <a:r>
+                        <a:rPr lang="en-US" altLang="zh-TW" baseline="0" dirty="0" smtClean="0"/>
+                        <a:t> 0.6</a:t>
+                      </a:r>
+                      <a:endParaRPr lang="zh-TW" altLang="en-US" dirty="0" smtClean="0"/>
+                    </a:p>
+                  </a:txBody>
+                  <a:tcPr>
+                    <a:lnL w="12700" cmpd="sng">
+                      <a:noFill/>
+                    </a:lnL>
+                    <a:lnR w="12700" cmpd="sng">
+                      <a:noFill/>
+                    </a:lnR>
+                  </a:tcPr>
+                </a:tc>
+                <a:tc>
+                  <a:txBody>
+                    <a:bodyPr/>
+                    <a:lstStyle/>
+                    <a:p>
+                      <a:pPr marL="0" marR="0" indent="0" algn="ctr" defTabSz="914400" rtl="0" eaLnBrk="1" fontAlgn="auto" latinLnBrk="0" hangingPunct="1">
+                        <a:lnSpc>
+                          <a:spcPct val="100000"/>
+                        </a:lnSpc>
+                        <a:spcBef>
+                          <a:spcPts val="0"/>
+                        </a:spcBef>
+                        <a:spcAft>
+                          <a:spcPts val="0"/>
+                        </a:spcAft>
+                        <a:buClrTx/>
+                        <a:buSzTx/>
+                        <a:buFontTx/>
+                        <a:buNone/>
+                        <a:tabLst/>
+                        <a:defRPr/>
+                      </a:pPr>
+                      <a:endParaRPr lang="zh-TW" altLang="en-US" dirty="0" smtClean="0"/>
+                    </a:p>
+                  </a:txBody>
+                  <a:tcPr>
+                    <a:lnL w="12700" cmpd="sng">
+                      <a:noFill/>
+                    </a:lnL>
+                    <a:lnR w="12700" cmpd="sng">
+                      <a:noFill/>
+                    </a:lnR>
+                  </a:tcPr>
+                </a:tc>
+                <a:extLst>
+                  <a:ext uri="{0D108BD9-81ED-4DB2-BD59-A6C34878D82A}">
+                    <a16:rowId xmlns:a16="http://schemas.microsoft.com/office/drawing/2014/main" val="10004"/>
+                  </a:ext>
+                </a:extLst>
+              </a:tr>
+              <a:tr h="423644">
+                <a:tc>
+                  <a:txBody>
+                    <a:bodyPr/>
+                    <a:lstStyle/>
+                    <a:p>
+                      <a:pPr marL="0" marR="0" indent="0" algn="ctr" defTabSz="914400" rtl="0" eaLnBrk="1" fontAlgn="auto" latinLnBrk="0" hangingPunct="1">
+                        <a:lnSpc>
+                          <a:spcPct val="100000"/>
+                        </a:lnSpc>
+                        <a:spcBef>
+                          <a:spcPts val="0"/>
+                        </a:spcBef>
+                        <a:spcAft>
+                          <a:spcPts val="0"/>
+                        </a:spcAft>
+                        <a:buClrTx/>
+                        <a:buSzTx/>
+                        <a:buFontTx/>
+                        <a:buNone/>
+                        <a:tabLst/>
+                        <a:defRPr/>
+                      </a:pPr>
+                      <a:r>
+                        <a:rPr lang="zh-TW" altLang="en-US" dirty="0" smtClean="0"/>
+                        <a:t>瀏覽器</a:t>
+                      </a:r>
+                    </a:p>
+                  </a:txBody>
+                  <a:tcPr>
+                    <a:lnR w="12700" cmpd="sng">
+                      <a:noFill/>
+                    </a:lnR>
+                  </a:tcPr>
+                </a:tc>
+                <a:tc>
+                  <a:txBody>
+                    <a:bodyPr/>
+                    <a:lstStyle/>
+                    <a:p>
+                      <a:pPr marL="0" marR="0" indent="0" algn="l" defTabSz="914400" rtl="0" eaLnBrk="1" fontAlgn="auto" latinLnBrk="0" hangingPunct="1">
+                        <a:lnSpc>
+                          <a:spcPct val="100000"/>
+                        </a:lnSpc>
+                        <a:spcBef>
+                          <a:spcPts val="0"/>
+                        </a:spcBef>
+                        <a:spcAft>
+                          <a:spcPts val="0"/>
+                        </a:spcAft>
+                        <a:buClrTx/>
+                        <a:buSzTx/>
+                        <a:buFontTx/>
+                        <a:buNone/>
+                        <a:tabLst/>
+                        <a:defRPr/>
+                      </a:pPr>
+                      <a:r>
+                        <a:rPr lang="en-US" altLang="zh-TW" dirty="0" smtClean="0"/>
+                        <a:t>Chrome</a:t>
+                      </a:r>
+                      <a:r>
+                        <a:rPr lang="en-US" altLang="zh-TW" baseline="0" dirty="0" smtClean="0"/>
+                        <a:t> 26.15</a:t>
+                      </a:r>
+                      <a:endParaRPr lang="zh-TW" altLang="en-US" dirty="0" smtClean="0"/>
+                    </a:p>
+                  </a:txBody>
+                  <a:tcPr>
+                    <a:lnL w="12700" cmpd="sng">
+                      <a:noFill/>
+                    </a:lnL>
+                    <a:lnR w="12700" cmpd="sng">
+                      <a:noFill/>
+                    </a:lnR>
+                  </a:tcPr>
+                </a:tc>
+                <a:tc>
+                  <a:txBody>
+                    <a:bodyPr/>
+                    <a:lstStyle/>
+                    <a:p>
+                      <a:pPr marL="0" marR="0" indent="0" algn="ctr" defTabSz="914400" rtl="0" eaLnBrk="1" fontAlgn="auto" latinLnBrk="0" hangingPunct="1">
+                        <a:lnSpc>
+                          <a:spcPct val="100000"/>
+                        </a:lnSpc>
+                        <a:spcBef>
+                          <a:spcPts val="0"/>
+                        </a:spcBef>
+                        <a:spcAft>
+                          <a:spcPts val="0"/>
+                        </a:spcAft>
+                        <a:buClrTx/>
+                        <a:buSzTx/>
+                        <a:buFontTx/>
+                        <a:buNone/>
+                        <a:tabLst/>
+                        <a:defRPr/>
+                      </a:pPr>
+                      <a:endParaRPr lang="zh-TW" altLang="en-US" dirty="0" smtClean="0"/>
+                    </a:p>
+                  </a:txBody>
+                  <a:tcPr>
+                    <a:lnL w="12700" cmpd="sng">
+                      <a:noFill/>
+                    </a:lnL>
+                    <a:lnR w="12700" cmpd="sng">
+                      <a:noFill/>
+                    </a:lnR>
+                  </a:tcPr>
+                </a:tc>
+                <a:extLst>
+                  <a:ext uri="{0D108BD9-81ED-4DB2-BD59-A6C34878D82A}">
+                    <a16:rowId xmlns:a16="http://schemas.microsoft.com/office/drawing/2014/main" val="2371759385"/>
+                  </a:ext>
+                </a:extLst>
+              </a:tr>
+              <a:tr h="423644">
+                <a:tc>
+                  <a:txBody>
+                    <a:bodyPr/>
+                    <a:lstStyle/>
+                    <a:p>
+                      <a:pPr marL="0" marR="0" indent="0" algn="ctr" defTabSz="914400" rtl="0" eaLnBrk="1" fontAlgn="auto" latinLnBrk="0" hangingPunct="1">
+                        <a:lnSpc>
+                          <a:spcPct val="100000"/>
+                        </a:lnSpc>
+                        <a:spcBef>
+                          <a:spcPts val="0"/>
+                        </a:spcBef>
+                        <a:spcAft>
+                          <a:spcPts val="0"/>
+                        </a:spcAft>
+                        <a:buClrTx/>
+                        <a:buSzTx/>
+                        <a:buFontTx/>
+                        <a:buNone/>
+                        <a:tabLst/>
+                        <a:defRPr/>
+                      </a:pPr>
+                      <a:endParaRPr lang="zh-TW" altLang="en-US" dirty="0" smtClean="0"/>
+                    </a:p>
+                  </a:txBody>
+                  <a:tcPr>
+                    <a:lnR w="12700" cmpd="sng">
+                      <a:noFill/>
+                    </a:lnR>
+                  </a:tcPr>
+                </a:tc>
+                <a:tc>
+                  <a:txBody>
+                    <a:bodyPr/>
+                    <a:lstStyle/>
+                    <a:p>
+                      <a:pPr marL="0" marR="0" indent="0" algn="l" defTabSz="914400" rtl="0" eaLnBrk="1" fontAlgn="auto" latinLnBrk="0" hangingPunct="1">
+                        <a:lnSpc>
+                          <a:spcPct val="100000"/>
+                        </a:lnSpc>
+                        <a:spcBef>
+                          <a:spcPts val="0"/>
+                        </a:spcBef>
+                        <a:spcAft>
+                          <a:spcPts val="0"/>
+                        </a:spcAft>
+                        <a:buClrTx/>
+                        <a:buSzTx/>
+                        <a:buFontTx/>
+                        <a:buNone/>
+                        <a:tabLst/>
+                        <a:defRPr/>
+                      </a:pPr>
+                      <a:endParaRPr lang="zh-TW" altLang="en-US" dirty="0" smtClean="0"/>
+                    </a:p>
+                  </a:txBody>
+                  <a:tcPr>
+                    <a:lnL w="12700" cmpd="sng">
+                      <a:noFill/>
+                    </a:lnL>
+                    <a:lnR w="12700" cmpd="sng">
+                      <a:noFill/>
+                    </a:lnR>
+                  </a:tcPr>
+                </a:tc>
+                <a:tc>
+                  <a:txBody>
+                    <a:bodyPr/>
+                    <a:lstStyle/>
+                    <a:p>
+                      <a:pPr marL="0" marR="0" indent="0" algn="ctr" defTabSz="914400" rtl="0" eaLnBrk="1" fontAlgn="auto" latinLnBrk="0" hangingPunct="1">
+                        <a:lnSpc>
+                          <a:spcPct val="100000"/>
+                        </a:lnSpc>
+                        <a:spcBef>
+                          <a:spcPts val="0"/>
+                        </a:spcBef>
+                        <a:spcAft>
+                          <a:spcPts val="0"/>
+                        </a:spcAft>
+                        <a:buClrTx/>
+                        <a:buSzTx/>
+                        <a:buFontTx/>
+                        <a:buNone/>
+                        <a:tabLst/>
+                        <a:defRPr/>
+                      </a:pPr>
+                      <a:endParaRPr lang="zh-TW" altLang="en-US" dirty="0" smtClean="0"/>
+                    </a:p>
+                  </a:txBody>
+                  <a:tcPr>
+                    <a:lnL w="12700" cmpd="sng">
+                      <a:noFill/>
+                    </a:lnL>
+                    <a:lnR w="12700" cmpd="sng">
+                      <a:noFill/>
+                    </a:lnR>
+                  </a:tcPr>
+                </a:tc>
+                <a:extLst>
+                  <a:ext uri="{0D108BD9-81ED-4DB2-BD59-A6C34878D82A}">
+                    <a16:rowId xmlns:a16="http://schemas.microsoft.com/office/drawing/2014/main" val="827387285"/>
+                  </a:ext>
+                </a:extLst>
+              </a:tr>
+              <a:tr h="423644">
+                <a:tc>
+                  <a:txBody>
+                    <a:bodyPr/>
+                    <a:lstStyle/>
+                    <a:p>
+                      <a:pPr marL="0" marR="0" indent="0" algn="ctr" defTabSz="914400" rtl="0" eaLnBrk="1" fontAlgn="auto" latinLnBrk="0" hangingPunct="1">
+                        <a:lnSpc>
+                          <a:spcPct val="100000"/>
+                        </a:lnSpc>
+                        <a:spcBef>
+                          <a:spcPts val="0"/>
+                        </a:spcBef>
+                        <a:spcAft>
+                          <a:spcPts val="0"/>
+                        </a:spcAft>
+                        <a:buClrTx/>
+                        <a:buSzTx/>
+                        <a:buFontTx/>
+                        <a:buNone/>
+                        <a:tabLst/>
+                        <a:defRPr/>
+                      </a:pPr>
+                      <a:endParaRPr lang="zh-TW" altLang="en-US" dirty="0" smtClean="0"/>
+                    </a:p>
+                  </a:txBody>
+                  <a:tcPr>
+                    <a:lnR w="12700" cmpd="sng">
+                      <a:noFill/>
+                    </a:lnR>
+                  </a:tcPr>
+                </a:tc>
+                <a:tc>
+                  <a:txBody>
+                    <a:bodyPr/>
+                    <a:lstStyle/>
+                    <a:p>
+                      <a:pPr marL="0" marR="0" indent="0" algn="l" defTabSz="914400" rtl="0" eaLnBrk="1" fontAlgn="auto" latinLnBrk="0" hangingPunct="1">
+                        <a:lnSpc>
+                          <a:spcPct val="100000"/>
+                        </a:lnSpc>
+                        <a:spcBef>
+                          <a:spcPts val="0"/>
+                        </a:spcBef>
+                        <a:spcAft>
+                          <a:spcPts val="0"/>
+                        </a:spcAft>
+                        <a:buClrTx/>
+                        <a:buSzTx/>
+                        <a:buFontTx/>
+                        <a:buNone/>
+                        <a:tabLst/>
+                        <a:defRPr/>
+                      </a:pPr>
+                      <a:endParaRPr lang="zh-TW" altLang="en-US" dirty="0" smtClean="0"/>
+                    </a:p>
+                  </a:txBody>
+                  <a:tcPr>
+                    <a:lnL w="12700" cmpd="sng">
+                      <a:noFill/>
+                    </a:lnL>
+                    <a:lnR w="12700" cmpd="sng">
+                      <a:noFill/>
+                    </a:lnR>
+                  </a:tcPr>
+                </a:tc>
+                <a:tc>
+                  <a:txBody>
+                    <a:bodyPr/>
+                    <a:lstStyle/>
+                    <a:p>
+                      <a:pPr marL="0" marR="0" indent="0" algn="ctr" defTabSz="914400" rtl="0" eaLnBrk="1" fontAlgn="auto" latinLnBrk="0" hangingPunct="1">
+                        <a:lnSpc>
+                          <a:spcPct val="100000"/>
+                        </a:lnSpc>
+                        <a:spcBef>
+                          <a:spcPts val="0"/>
+                        </a:spcBef>
+                        <a:spcAft>
+                          <a:spcPts val="0"/>
+                        </a:spcAft>
+                        <a:buClrTx/>
+                        <a:buSzTx/>
+                        <a:buFontTx/>
+                        <a:buNone/>
+                        <a:tabLst/>
+                        <a:defRPr/>
+                      </a:pPr>
+                      <a:endParaRPr lang="zh-TW" altLang="en-US" dirty="0" smtClean="0"/>
+                    </a:p>
+                  </a:txBody>
+                  <a:tcPr>
+                    <a:lnL w="12700" cmpd="sng">
+                      <a:noFill/>
+                    </a:lnL>
+                    <a:lnR w="12700" cmpd="sng">
+                      <a:noFill/>
+                    </a:lnR>
+                  </a:tcPr>
+                </a:tc>
+                <a:extLst>
+                  <a:ext uri="{0D108BD9-81ED-4DB2-BD59-A6C34878D82A}">
+                    <a16:rowId xmlns:a16="http://schemas.microsoft.com/office/drawing/2014/main" val="1357619741"/>
+                  </a:ext>
+                </a:extLst>
+              </a:tr>
+            </a:tbl>
+          </a:graphicData>
+        </a:graphic>
+      </p:graphicFrame>
+      <p:sp>
+        <p:nvSpPr>
+          <p:cNvPr id="14" name="圓角矩形 13"/>
+          <p:cNvSpPr/>
+          <p:nvPr/>
+        </p:nvSpPr>
+        <p:spPr>
+          <a:xfrm>
+            <a:off x="6804248" y="1131590"/>
+            <a:ext cx="720080" cy="288032"/>
+          </a:xfrm>
+          <a:prstGeom prst="roundRect">
+            <a:avLst/>
+          </a:prstGeom>
+        </p:spPr>
+        <p:style>
+          <a:lnRef idx="0">
+            <a:schemeClr val="accent1"/>
+          </a:lnRef>
+          <a:fillRef idx="3">
+            <a:schemeClr val="accent1"/>
+          </a:fillRef>
+          <a:effectRef idx="3">
+            <a:schemeClr val="accent1"/>
+          </a:effectRef>
+          <a:fontRef idx="minor">
+            <a:schemeClr val="lt1"/>
+          </a:fontRef>
+        </p:style>
+        <p:txBody>
+          <a:bodyPr rtlCol="0" anchor="ctr"/>
+          <a:lstStyle/>
+          <a:p>
+            <a:pPr algn="ctr"/>
+            <a:r>
+              <a:rPr lang="zh-TW" altLang="en-US" dirty="0" smtClean="0"/>
+              <a:t>刪除</a:t>
+            </a:r>
+            <a:endParaRPr lang="zh-TW" altLang="en-US" dirty="0"/>
+          </a:p>
+        </p:txBody>
+      </p:sp>
+      <p:sp>
+        <p:nvSpPr>
+          <p:cNvPr id="15" name="圓角矩形 14"/>
+          <p:cNvSpPr/>
+          <p:nvPr/>
+        </p:nvSpPr>
+        <p:spPr>
+          <a:xfrm>
+            <a:off x="6804248" y="1549978"/>
+            <a:ext cx="720080" cy="288032"/>
+          </a:xfrm>
+          <a:prstGeom prst="roundRect">
+            <a:avLst/>
+          </a:prstGeom>
+        </p:spPr>
+        <p:style>
+          <a:lnRef idx="0">
+            <a:schemeClr val="accent1"/>
+          </a:lnRef>
+          <a:fillRef idx="3">
+            <a:schemeClr val="accent1"/>
+          </a:fillRef>
+          <a:effectRef idx="3">
+            <a:schemeClr val="accent1"/>
+          </a:effectRef>
+          <a:fontRef idx="minor">
+            <a:schemeClr val="lt1"/>
+          </a:fontRef>
+        </p:style>
+        <p:txBody>
+          <a:bodyPr rtlCol="0" anchor="ctr"/>
+          <a:lstStyle/>
+          <a:p>
+            <a:pPr algn="ctr"/>
+            <a:r>
+              <a:rPr lang="zh-TW" altLang="en-US" dirty="0" smtClean="0"/>
+              <a:t>刪除</a:t>
+            </a:r>
+            <a:endParaRPr lang="zh-TW" altLang="en-US" dirty="0"/>
+          </a:p>
+        </p:txBody>
+      </p:sp>
+      <p:sp>
+        <p:nvSpPr>
+          <p:cNvPr id="16" name="圓角矩形 15"/>
+          <p:cNvSpPr/>
+          <p:nvPr/>
+        </p:nvSpPr>
+        <p:spPr>
+          <a:xfrm>
+            <a:off x="6804248" y="1968366"/>
+            <a:ext cx="720080" cy="288032"/>
+          </a:xfrm>
+          <a:prstGeom prst="roundRect">
+            <a:avLst/>
+          </a:prstGeom>
+        </p:spPr>
+        <p:style>
+          <a:lnRef idx="0">
+            <a:schemeClr val="accent1"/>
+          </a:lnRef>
+          <a:fillRef idx="3">
+            <a:schemeClr val="accent1"/>
+          </a:fillRef>
+          <a:effectRef idx="3">
+            <a:schemeClr val="accent1"/>
+          </a:effectRef>
+          <a:fontRef idx="minor">
+            <a:schemeClr val="lt1"/>
+          </a:fontRef>
+        </p:style>
+        <p:txBody>
+          <a:bodyPr rtlCol="0" anchor="ctr"/>
+          <a:lstStyle/>
+          <a:p>
+            <a:pPr algn="ctr"/>
+            <a:r>
+              <a:rPr lang="zh-TW" altLang="en-US" dirty="0" smtClean="0"/>
+              <a:t>刪除</a:t>
+            </a:r>
+            <a:endParaRPr lang="zh-TW" altLang="en-US" dirty="0"/>
+          </a:p>
+        </p:txBody>
+      </p:sp>
+      <p:sp>
+        <p:nvSpPr>
+          <p:cNvPr id="17" name="等腰三角形 16"/>
+          <p:cNvSpPr/>
+          <p:nvPr/>
+        </p:nvSpPr>
+        <p:spPr>
+          <a:xfrm flipV="1">
+            <a:off x="2699792" y="843558"/>
+            <a:ext cx="216024" cy="144016"/>
+          </a:xfrm>
+          <a:prstGeom prst="triangle">
+            <a:avLst/>
+          </a:prstGeom>
+          <a:solidFill>
+            <a:schemeClr val="bg1"/>
+          </a:solidFill>
+        </p:spPr>
+        <p:style>
+          <a:lnRef idx="2">
+            <a:schemeClr val="accent1">
+              <a:shade val="50000"/>
+            </a:schemeClr>
+          </a:lnRef>
+          <a:fillRef idx="1">
+            <a:schemeClr val="accent1"/>
+          </a:fillRef>
+          <a:effectRef idx="0">
+            <a:schemeClr val="accent1"/>
+          </a:effectRef>
+          <a:fontRef idx="minor">
+            <a:schemeClr val="lt1"/>
+          </a:fontRef>
+        </p:style>
+        <p:txBody>
+          <a:bodyPr rtlCol="0" anchor="ctr"/>
+          <a:lstStyle/>
+          <a:p>
+            <a:pPr algn="ctr"/>
+            <a:endParaRPr lang="zh-TW" altLang="en-US"/>
+          </a:p>
+        </p:txBody>
+      </p:sp>
+      <p:sp>
+        <p:nvSpPr>
+          <p:cNvPr id="18" name="矩形 17"/>
+          <p:cNvSpPr/>
+          <p:nvPr/>
+        </p:nvSpPr>
+        <p:spPr>
+          <a:xfrm>
+            <a:off x="1383169" y="4118450"/>
+            <a:ext cx="1244615" cy="288032"/>
+          </a:xfrm>
+          <a:prstGeom prst="rect">
+            <a:avLst/>
+          </a:prstGeom>
+          <a:solidFill>
+            <a:schemeClr val="bg1"/>
+          </a:solidFill>
+        </p:spPr>
+        <p:style>
+          <a:lnRef idx="2">
+            <a:schemeClr val="accent1">
+              <a:shade val="50000"/>
+            </a:schemeClr>
+          </a:lnRef>
+          <a:fillRef idx="1">
+            <a:schemeClr val="accent1"/>
+          </a:fillRef>
+          <a:effectRef idx="0">
+            <a:schemeClr val="accent1"/>
+          </a:effectRef>
+          <a:fontRef idx="minor">
+            <a:schemeClr val="lt1"/>
+          </a:fontRef>
+        </p:style>
+        <p:txBody>
+          <a:bodyPr rtlCol="0" anchor="ctr"/>
+          <a:lstStyle/>
+          <a:p>
+            <a:r>
+              <a:rPr lang="zh-TW" altLang="en-US" sz="1400" dirty="0" smtClean="0">
+                <a:solidFill>
+                  <a:schemeClr val="tx1"/>
+                </a:solidFill>
+              </a:rPr>
+              <a:t>裝</a:t>
+            </a:r>
+            <a:r>
+              <a:rPr lang="zh-TW" altLang="en-US" sz="1400" dirty="0">
+                <a:solidFill>
+                  <a:schemeClr val="tx1"/>
+                </a:solidFill>
+              </a:rPr>
+              <a:t>置</a:t>
+            </a:r>
+          </a:p>
+        </p:txBody>
+      </p:sp>
+      <p:sp>
+        <p:nvSpPr>
+          <p:cNvPr id="19" name="矩形 18"/>
+          <p:cNvSpPr/>
+          <p:nvPr/>
+        </p:nvSpPr>
+        <p:spPr>
+          <a:xfrm>
+            <a:off x="2807804" y="4119819"/>
+            <a:ext cx="3348372" cy="288032"/>
+          </a:xfrm>
+          <a:prstGeom prst="rect">
+            <a:avLst/>
+          </a:prstGeom>
+          <a:solidFill>
+            <a:schemeClr val="bg1"/>
+          </a:solidFill>
+        </p:spPr>
+        <p:style>
+          <a:lnRef idx="2">
+            <a:schemeClr val="accent1">
+              <a:shade val="50000"/>
+            </a:schemeClr>
+          </a:lnRef>
+          <a:fillRef idx="1">
+            <a:schemeClr val="accent1"/>
+          </a:fillRef>
+          <a:effectRef idx="0">
+            <a:schemeClr val="accent1"/>
+          </a:effectRef>
+          <a:fontRef idx="minor">
+            <a:schemeClr val="lt1"/>
+          </a:fontRef>
+        </p:style>
+        <p:txBody>
+          <a:bodyPr rtlCol="0" anchor="ctr"/>
+          <a:lstStyle/>
+          <a:p>
+            <a:r>
+              <a:rPr lang="zh-TW" altLang="en-US" sz="1400" dirty="0" smtClean="0">
+                <a:solidFill>
+                  <a:schemeClr val="bg1">
+                    <a:lumMod val="75000"/>
+                  </a:schemeClr>
+                </a:solidFill>
+              </a:rPr>
+              <a:t>版本名稱</a:t>
+            </a:r>
+            <a:r>
+              <a:rPr lang="en-US" altLang="zh-TW" sz="1400" dirty="0" smtClean="0">
+                <a:solidFill>
+                  <a:schemeClr val="bg1">
+                    <a:lumMod val="75000"/>
+                  </a:schemeClr>
+                </a:solidFill>
+              </a:rPr>
+              <a:t>...</a:t>
+            </a:r>
+            <a:endParaRPr lang="zh-TW" altLang="en-US" sz="1400" dirty="0">
+              <a:solidFill>
+                <a:schemeClr val="bg1">
+                  <a:lumMod val="75000"/>
+                </a:schemeClr>
+              </a:solidFill>
+            </a:endParaRPr>
+          </a:p>
+        </p:txBody>
+      </p:sp>
+      <p:sp>
+        <p:nvSpPr>
+          <p:cNvPr id="20" name="圓角矩形 19"/>
+          <p:cNvSpPr/>
+          <p:nvPr/>
+        </p:nvSpPr>
+        <p:spPr>
+          <a:xfrm>
+            <a:off x="6336196" y="4118450"/>
+            <a:ext cx="720080" cy="288032"/>
+          </a:xfrm>
+          <a:prstGeom prst="roundRect">
+            <a:avLst/>
+          </a:prstGeom>
+        </p:spPr>
+        <p:style>
+          <a:lnRef idx="0">
+            <a:schemeClr val="accent1"/>
+          </a:lnRef>
+          <a:fillRef idx="3">
+            <a:schemeClr val="accent1"/>
+          </a:fillRef>
+          <a:effectRef idx="3">
+            <a:schemeClr val="accent1"/>
+          </a:effectRef>
+          <a:fontRef idx="minor">
+            <a:schemeClr val="lt1"/>
+          </a:fontRef>
+        </p:style>
+        <p:txBody>
+          <a:bodyPr rtlCol="0" anchor="ctr"/>
+          <a:lstStyle/>
+          <a:p>
+            <a:pPr algn="ctr"/>
+            <a:r>
+              <a:rPr lang="zh-TW" altLang="en-US" dirty="0" smtClean="0"/>
+              <a:t>新</a:t>
+            </a:r>
+            <a:r>
+              <a:rPr lang="zh-TW" altLang="en-US" dirty="0"/>
+              <a:t>增</a:t>
+            </a:r>
+          </a:p>
+        </p:txBody>
+      </p:sp>
+      <p:sp>
+        <p:nvSpPr>
+          <p:cNvPr id="21" name="矩形 20"/>
+          <p:cNvSpPr/>
+          <p:nvPr/>
+        </p:nvSpPr>
+        <p:spPr>
+          <a:xfrm>
+            <a:off x="1383169" y="3712782"/>
+            <a:ext cx="1244615" cy="288032"/>
+          </a:xfrm>
+          <a:prstGeom prst="rect">
+            <a:avLst/>
+          </a:prstGeom>
+          <a:solidFill>
+            <a:schemeClr val="bg1"/>
+          </a:solidFill>
+        </p:spPr>
+        <p:style>
+          <a:lnRef idx="2">
+            <a:schemeClr val="accent1">
+              <a:shade val="50000"/>
+            </a:schemeClr>
+          </a:lnRef>
+          <a:fillRef idx="1">
+            <a:schemeClr val="accent1"/>
+          </a:fillRef>
+          <a:effectRef idx="0">
+            <a:schemeClr val="accent1"/>
+          </a:effectRef>
+          <a:fontRef idx="minor">
+            <a:schemeClr val="lt1"/>
+          </a:fontRef>
+        </p:style>
+        <p:txBody>
+          <a:bodyPr rtlCol="0" anchor="ctr"/>
+          <a:lstStyle/>
+          <a:p>
+            <a:r>
+              <a:rPr lang="zh-TW" altLang="en-US" sz="1400" dirty="0" smtClean="0">
+                <a:solidFill>
+                  <a:schemeClr val="bg1">
+                    <a:lumMod val="75000"/>
+                  </a:schemeClr>
+                </a:solidFill>
+              </a:rPr>
+              <a:t>版本類別</a:t>
+            </a:r>
+            <a:r>
+              <a:rPr lang="en-US" altLang="zh-TW" sz="1400" dirty="0" smtClean="0">
+                <a:solidFill>
+                  <a:schemeClr val="bg1">
+                    <a:lumMod val="75000"/>
+                  </a:schemeClr>
+                </a:solidFill>
+              </a:rPr>
+              <a:t>…</a:t>
+            </a:r>
+            <a:endParaRPr lang="zh-TW" altLang="en-US" sz="1400" dirty="0">
+              <a:solidFill>
+                <a:schemeClr val="bg1">
+                  <a:lumMod val="75000"/>
+                </a:schemeClr>
+              </a:solidFill>
+            </a:endParaRPr>
+          </a:p>
+        </p:txBody>
+      </p:sp>
+      <p:sp>
+        <p:nvSpPr>
+          <p:cNvPr id="22" name="圓角矩形 21"/>
+          <p:cNvSpPr/>
+          <p:nvPr/>
+        </p:nvSpPr>
+        <p:spPr>
+          <a:xfrm>
+            <a:off x="2807804" y="3712782"/>
+            <a:ext cx="720080" cy="288032"/>
+          </a:xfrm>
+          <a:prstGeom prst="roundRect">
+            <a:avLst/>
+          </a:prstGeom>
+        </p:spPr>
+        <p:style>
+          <a:lnRef idx="0">
+            <a:schemeClr val="accent1"/>
+          </a:lnRef>
+          <a:fillRef idx="3">
+            <a:schemeClr val="accent1"/>
+          </a:fillRef>
+          <a:effectRef idx="3">
+            <a:schemeClr val="accent1"/>
+          </a:effectRef>
+          <a:fontRef idx="minor">
+            <a:schemeClr val="lt1"/>
+          </a:fontRef>
+        </p:style>
+        <p:txBody>
+          <a:bodyPr rtlCol="0" anchor="ctr"/>
+          <a:lstStyle/>
+          <a:p>
+            <a:pPr algn="ctr"/>
+            <a:r>
+              <a:rPr lang="zh-TW" altLang="en-US" dirty="0" smtClean="0"/>
+              <a:t>新</a:t>
+            </a:r>
+            <a:r>
+              <a:rPr lang="zh-TW" altLang="en-US" dirty="0"/>
+              <a:t>增</a:t>
+            </a:r>
+          </a:p>
+        </p:txBody>
+      </p:sp>
+      <p:sp>
+        <p:nvSpPr>
+          <p:cNvPr id="23" name="等腰三角形 22"/>
+          <p:cNvSpPr/>
+          <p:nvPr/>
+        </p:nvSpPr>
+        <p:spPr>
+          <a:xfrm flipV="1">
+            <a:off x="2360965" y="4190458"/>
+            <a:ext cx="216024" cy="144016"/>
+          </a:xfrm>
+          <a:prstGeom prst="triangle">
+            <a:avLst/>
+          </a:prstGeom>
+          <a:solidFill>
+            <a:schemeClr val="tx2">
+              <a:lumMod val="60000"/>
+              <a:lumOff val="40000"/>
+            </a:schemeClr>
+          </a:solidFill>
+        </p:spPr>
+        <p:style>
+          <a:lnRef idx="2">
+            <a:schemeClr val="accent1">
+              <a:shade val="50000"/>
+            </a:schemeClr>
+          </a:lnRef>
+          <a:fillRef idx="1">
+            <a:schemeClr val="accent1"/>
+          </a:fillRef>
+          <a:effectRef idx="0">
+            <a:schemeClr val="accent1"/>
+          </a:effectRef>
+          <a:fontRef idx="minor">
+            <a:schemeClr val="lt1"/>
+          </a:fontRef>
+        </p:style>
+        <p:txBody>
+          <a:bodyPr rtlCol="0" anchor="ctr"/>
+          <a:lstStyle/>
+          <a:p>
+            <a:pPr algn="ctr"/>
+            <a:endParaRPr lang="zh-TW" altLang="en-US"/>
+          </a:p>
+        </p:txBody>
+      </p:sp>
+      <p:sp>
+        <p:nvSpPr>
+          <p:cNvPr id="24" name="圓角矩形 23"/>
+          <p:cNvSpPr/>
+          <p:nvPr/>
+        </p:nvSpPr>
+        <p:spPr>
+          <a:xfrm>
+            <a:off x="6804248" y="2386754"/>
+            <a:ext cx="720080" cy="288032"/>
+          </a:xfrm>
+          <a:prstGeom prst="roundRect">
+            <a:avLst/>
+          </a:prstGeom>
+        </p:spPr>
+        <p:style>
+          <a:lnRef idx="0">
+            <a:schemeClr val="accent1"/>
+          </a:lnRef>
+          <a:fillRef idx="3">
+            <a:schemeClr val="accent1"/>
+          </a:fillRef>
+          <a:effectRef idx="3">
+            <a:schemeClr val="accent1"/>
+          </a:effectRef>
+          <a:fontRef idx="minor">
+            <a:schemeClr val="lt1"/>
+          </a:fontRef>
+        </p:style>
+        <p:txBody>
+          <a:bodyPr rtlCol="0" anchor="ctr"/>
+          <a:lstStyle/>
+          <a:p>
+            <a:pPr algn="ctr"/>
+            <a:r>
+              <a:rPr lang="zh-TW" altLang="en-US" dirty="0" smtClean="0"/>
+              <a:t>刪除</a:t>
+            </a:r>
+            <a:endParaRPr lang="zh-TW" altLang="en-US" dirty="0"/>
+          </a:p>
+        </p:txBody>
+      </p:sp>
+    </p:spTree>
+    <p:extLst>
+      <p:ext uri="{BB962C8B-B14F-4D97-AF65-F5344CB8AC3E}">
+        <p14:creationId xmlns:p14="http://schemas.microsoft.com/office/powerpoint/2010/main" val="2440273329"/>
+      </p:ext>
+    </p:extLst>
+  </p:cSld>
+  <p:clrMapOvr>
+    <a:masterClrMapping/>
+  </p:clrMapOvr>
+</p:sld>
+</file>
+
+<file path=ppt/slides/slide6.xml><?xml version="1.0" encoding="utf-8"?>
 <p:sld xmlns:a="http://schemas.openxmlformats.org/drawingml/2006/main" xmlns:r="http://schemas.openxmlformats.org/officeDocument/2006/relationships" xmlns:p="http://schemas.openxmlformats.org/presentationml/2006/main">
   <p:cSld>
     <p:spTree>
